--- a/Dangerous Animal Detection Final.pptx
+++ b/Dangerous Animal Detection Final.pptx
@@ -5,14 +5,18 @@
     <p:sldMasterId id="2147483660" r:id="rId1"/>
   </p:sldMasterIdLst>
   <p:notesMasterIdLst>
-    <p:notesMasterId r:id="rId7"/>
+    <p:notesMasterId r:id="rId11"/>
   </p:notesMasterIdLst>
   <p:sldIdLst>
     <p:sldId id="256" r:id="rId2"/>
     <p:sldId id="257" r:id="rId3"/>
-    <p:sldId id="261" r:id="rId4"/>
-    <p:sldId id="263" r:id="rId5"/>
-    <p:sldId id="262" r:id="rId6"/>
+    <p:sldId id="263" r:id="rId4"/>
+    <p:sldId id="264" r:id="rId5"/>
+    <p:sldId id="266" r:id="rId6"/>
+    <p:sldId id="267" r:id="rId7"/>
+    <p:sldId id="268" r:id="rId8"/>
+    <p:sldId id="269" r:id="rId9"/>
+    <p:sldId id="270" r:id="rId10"/>
   </p:sldIdLst>
   <p:sldSz cx="12192000" cy="6858000"/>
   <p:notesSz cx="6858000" cy="9144000"/>
@@ -208,7 +212,7 @@
           </a:lstStyle>
           <a:p>
             <a:fld id="{0CEEB17A-9B20-49D6-9BFE-CBB8326A8E2E}" type="datetimeFigureOut">
-              <a:t>8/4/2024</a:t>
+              <a:t>8/5/2024</a:t>
             </a:fld>
             <a:endParaRPr lang="en-US"/>
           </a:p>
@@ -474,92 +478,6 @@
 </p:notesMaster>
 </file>
 
-<file path=ppt/notesSlides/notesSlide1.xml><?xml version="1.0" encoding="utf-8"?>
-<p:notes xmlns:a="http://schemas.openxmlformats.org/drawingml/2006/main" xmlns:r="http://schemas.openxmlformats.org/officeDocument/2006/relationships" xmlns:p="http://schemas.openxmlformats.org/presentationml/2006/main">
-  <p:cSld>
-    <p:spTree>
-      <p:nvGrpSpPr>
-        <p:cNvPr id="1" name=""/>
-        <p:cNvGrpSpPr/>
-        <p:nvPr/>
-      </p:nvGrpSpPr>
-      <p:grpSpPr>
-        <a:xfrm>
-          <a:off x="0" y="0"/>
-          <a:ext cx="0" cy="0"/>
-          <a:chOff x="0" y="0"/>
-          <a:chExt cx="0" cy="0"/>
-        </a:xfrm>
-      </p:grpSpPr>
-      <p:sp>
-        <p:nvSpPr>
-          <p:cNvPr id="2" name="Slide Image Placeholder 1"/>
-          <p:cNvSpPr>
-            <a:spLocks noGrp="1" noRot="1" noChangeAspect="1"/>
-          </p:cNvSpPr>
-          <p:nvPr>
-            <p:ph type="sldImg"/>
-          </p:nvPr>
-        </p:nvSpPr>
-        <p:spPr/>
-      </p:sp>
-      <p:sp>
-        <p:nvSpPr>
-          <p:cNvPr id="3" name="Notes Placeholder 2"/>
-          <p:cNvSpPr>
-            <a:spLocks noGrp="1"/>
-          </p:cNvSpPr>
-          <p:nvPr>
-            <p:ph type="body" idx="1"/>
-          </p:nvPr>
-        </p:nvSpPr>
-        <p:spPr/>
-        <p:txBody>
-          <a:bodyPr/>
-          <a:lstStyle/>
-          <a:p>
-            <a:endParaRPr lang="en-US" dirty="0">
-              <a:ea typeface="Calibri"/>
-              <a:cs typeface="Calibri"/>
-            </a:endParaRPr>
-          </a:p>
-        </p:txBody>
-      </p:sp>
-      <p:sp>
-        <p:nvSpPr>
-          <p:cNvPr id="4" name="Slide Number Placeholder 3"/>
-          <p:cNvSpPr>
-            <a:spLocks noGrp="1"/>
-          </p:cNvSpPr>
-          <p:nvPr>
-            <p:ph type="sldNum" sz="quarter" idx="5"/>
-          </p:nvPr>
-        </p:nvSpPr>
-        <p:spPr/>
-        <p:txBody>
-          <a:bodyPr/>
-          <a:lstStyle/>
-          <a:p>
-            <a:fld id="{89AA264B-561E-4917-9748-D9682CE5450B}" type="slidenum">
-              <a:t>3</a:t>
-            </a:fld>
-            <a:endParaRPr lang="en-US"/>
-          </a:p>
-        </p:txBody>
-      </p:sp>
-    </p:spTree>
-    <p:extLst>
-      <p:ext uri="{BB962C8B-B14F-4D97-AF65-F5344CB8AC3E}">
-        <p14:creationId xmlns:p14="http://schemas.microsoft.com/office/powerpoint/2010/main" val="422908359"/>
-      </p:ext>
-    </p:extLst>
-  </p:cSld>
-  <p:clrMapOvr>
-    <a:masterClrMapping/>
-  </p:clrMapOvr>
-</p:notes>
-</file>
-
 <file path=ppt/slideLayouts/slideLayout1.xml><?xml version="1.0" encoding="utf-8"?>
 <p:sldLayout xmlns:a="http://schemas.openxmlformats.org/drawingml/2006/main" xmlns:r="http://schemas.openxmlformats.org/officeDocument/2006/relationships" xmlns:p="http://schemas.openxmlformats.org/presentationml/2006/main" showMasterSp="0" type="title" preserve="1">
   <p:cSld name="Title Slide">
@@ -751,7 +669,7 @@
           <a:p>
             <a:fld id="{E3F0B43B-4583-49FC-8FF9-79DD1A8B0884}" type="datetimeFigureOut">
               <a:rPr lang="en-US" smtClean="0"/>
-              <a:t>8/4/2024</a:t>
+              <a:t>8/5/2024</a:t>
             </a:fld>
             <a:endParaRPr lang="en-US"/>
           </a:p>
@@ -1187,7 +1105,7 @@
           <a:p>
             <a:fld id="{E3F0B43B-4583-49FC-8FF9-79DD1A8B0884}" type="datetimeFigureOut">
               <a:rPr lang="en-US" smtClean="0"/>
-              <a:t>8/4/2024</a:t>
+              <a:t>8/5/2024</a:t>
             </a:fld>
             <a:endParaRPr lang="en-US"/>
           </a:p>
@@ -1437,7 +1355,7 @@
           <a:p>
             <a:fld id="{E3F0B43B-4583-49FC-8FF9-79DD1A8B0884}" type="datetimeFigureOut">
               <a:rPr lang="en-US" smtClean="0"/>
-              <a:t>8/4/2024</a:t>
+              <a:t>8/5/2024</a:t>
             </a:fld>
             <a:endParaRPr lang="en-US"/>
           </a:p>
@@ -1745,7 +1663,7 @@
           <a:p>
             <a:fld id="{E3F0B43B-4583-49FC-8FF9-79DD1A8B0884}" type="datetimeFigureOut">
               <a:rPr lang="en-US" smtClean="0"/>
-              <a:t>8/4/2024</a:t>
+              <a:t>8/5/2024</a:t>
             </a:fld>
             <a:endParaRPr lang="en-US"/>
           </a:p>
@@ -2063,7 +1981,7 @@
           <a:p>
             <a:fld id="{E3F0B43B-4583-49FC-8FF9-79DD1A8B0884}" type="datetimeFigureOut">
               <a:rPr lang="en-US" smtClean="0"/>
-              <a:t>8/4/2024</a:t>
+              <a:t>8/5/2024</a:t>
             </a:fld>
             <a:endParaRPr lang="en-US"/>
           </a:p>
@@ -2365,7 +2283,7 @@
           <a:p>
             <a:fld id="{E3F0B43B-4583-49FC-8FF9-79DD1A8B0884}" type="datetimeFigureOut">
               <a:rPr lang="en-US" smtClean="0"/>
-              <a:t>8/4/2024</a:t>
+              <a:t>8/5/2024</a:t>
             </a:fld>
             <a:endParaRPr lang="en-US"/>
           </a:p>
@@ -2732,7 +2650,7 @@
           <a:p>
             <a:fld id="{E3F0B43B-4583-49FC-8FF9-79DD1A8B0884}" type="datetimeFigureOut">
               <a:rPr lang="en-US" smtClean="0"/>
-              <a:t>8/4/2024</a:t>
+              <a:t>8/5/2024</a:t>
             </a:fld>
             <a:endParaRPr lang="en-US"/>
           </a:p>
@@ -2906,7 +2824,7 @@
           <a:p>
             <a:fld id="{E3F0B43B-4583-49FC-8FF9-79DD1A8B0884}" type="datetimeFigureOut">
               <a:rPr lang="en-US" smtClean="0"/>
-              <a:t>8/4/2024</a:t>
+              <a:t>8/5/2024</a:t>
             </a:fld>
             <a:endParaRPr lang="en-US"/>
           </a:p>
@@ -3086,7 +3004,7 @@
           <a:p>
             <a:fld id="{E3F0B43B-4583-49FC-8FF9-79DD1A8B0884}" type="datetimeFigureOut">
               <a:rPr lang="en-US" smtClean="0"/>
-              <a:t>8/4/2024</a:t>
+              <a:t>8/5/2024</a:t>
             </a:fld>
             <a:endParaRPr lang="en-US"/>
           </a:p>
@@ -3256,7 +3174,7 @@
           <a:p>
             <a:fld id="{E3F0B43B-4583-49FC-8FF9-79DD1A8B0884}" type="datetimeFigureOut">
               <a:rPr lang="en-US" smtClean="0"/>
-              <a:t>8/4/2024</a:t>
+              <a:t>8/5/2024</a:t>
             </a:fld>
             <a:endParaRPr lang="en-US"/>
           </a:p>
@@ -3506,7 +3424,7 @@
           <a:p>
             <a:fld id="{E3F0B43B-4583-49FC-8FF9-79DD1A8B0884}" type="datetimeFigureOut">
               <a:rPr lang="en-US" smtClean="0"/>
-              <a:t>8/4/2024</a:t>
+              <a:t>8/5/2024</a:t>
             </a:fld>
             <a:endParaRPr lang="en-US"/>
           </a:p>
@@ -3742,7 +3660,7 @@
           <a:p>
             <a:fld id="{E3F0B43B-4583-49FC-8FF9-79DD1A8B0884}" type="datetimeFigureOut">
               <a:rPr lang="en-US" smtClean="0"/>
-              <a:t>8/4/2024</a:t>
+              <a:t>8/5/2024</a:t>
             </a:fld>
             <a:endParaRPr lang="en-US"/>
           </a:p>
@@ -4124,7 +4042,7 @@
           <a:p>
             <a:fld id="{E3F0B43B-4583-49FC-8FF9-79DD1A8B0884}" type="datetimeFigureOut">
               <a:rPr lang="en-US" smtClean="0"/>
-              <a:t>8/4/2024</a:t>
+              <a:t>8/5/2024</a:t>
             </a:fld>
             <a:endParaRPr lang="en-US"/>
           </a:p>
@@ -4242,7 +4160,7 @@
           <a:p>
             <a:fld id="{E3F0B43B-4583-49FC-8FF9-79DD1A8B0884}" type="datetimeFigureOut">
               <a:rPr lang="en-US" smtClean="0"/>
-              <a:t>8/4/2024</a:t>
+              <a:t>8/5/2024</a:t>
             </a:fld>
             <a:endParaRPr lang="en-US"/>
           </a:p>
@@ -4337,7 +4255,7 @@
           <a:p>
             <a:fld id="{E3F0B43B-4583-49FC-8FF9-79DD1A8B0884}" type="datetimeFigureOut">
               <a:rPr lang="en-US" smtClean="0"/>
-              <a:t>8/4/2024</a:t>
+              <a:t>8/5/2024</a:t>
             </a:fld>
             <a:endParaRPr lang="en-US"/>
           </a:p>
@@ -4592,7 +4510,7 @@
           <a:p>
             <a:fld id="{E3F0B43B-4583-49FC-8FF9-79DD1A8B0884}" type="datetimeFigureOut">
               <a:rPr lang="en-US" smtClean="0"/>
-              <a:t>8/4/2024</a:t>
+              <a:t>8/5/2024</a:t>
             </a:fld>
             <a:endParaRPr lang="en-US"/>
           </a:p>
@@ -4875,7 +4793,7 @@
           <a:p>
             <a:fld id="{E3F0B43B-4583-49FC-8FF9-79DD1A8B0884}" type="datetimeFigureOut">
               <a:rPr lang="en-US" smtClean="0"/>
-              <a:t>8/4/2024</a:t>
+              <a:t>8/5/2024</a:t>
             </a:fld>
             <a:endParaRPr lang="en-US"/>
           </a:p>
@@ -5281,7 +5199,7 @@
           <a:p>
             <a:fld id="{E3F0B43B-4583-49FC-8FF9-79DD1A8B0884}" type="datetimeFigureOut">
               <a:rPr lang="en-US" smtClean="0"/>
-              <a:t>8/4/2024</a:t>
+              <a:t>8/5/2024</a:t>
             </a:fld>
             <a:endParaRPr lang="en-US"/>
           </a:p>
@@ -6012,7 +5930,7 @@
           <p:cNvPr id="2" name="Title 1">
             <a:extLst>
               <a:ext uri="{FF2B5EF4-FFF2-40B4-BE49-F238E27FC236}">
-                <a16:creationId xmlns:a16="http://schemas.microsoft.com/office/drawing/2014/main" id="{89A6ED6C-D5B7-F919-E90C-C894D75324B5}"/>
+                <a16:creationId xmlns:a16="http://schemas.microsoft.com/office/drawing/2014/main" id="{E28F0BB1-8A64-61D9-59C6-2BF385C7BFC7}"/>
               </a:ext>
             </a:extLst>
           </p:cNvPr>
@@ -6030,7 +5948,7 @@
           <a:p>
             <a:r>
               <a:rPr lang="en-US" dirty="0"/>
-              <a:t>Plan of Execution</a:t>
+              <a:t>Model used</a:t>
             </a:r>
           </a:p>
         </p:txBody>
@@ -6040,7 +5958,7 @@
           <p:cNvPr id="3" name="Content Placeholder 2">
             <a:extLst>
               <a:ext uri="{FF2B5EF4-FFF2-40B4-BE49-F238E27FC236}">
-                <a16:creationId xmlns:a16="http://schemas.microsoft.com/office/drawing/2014/main" id="{AA028EBE-EC7A-3217-9555-57B7F81122E5}"/>
+                <a16:creationId xmlns:a16="http://schemas.microsoft.com/office/drawing/2014/main" id="{36D4D973-52E0-05EA-D234-7659BB15F0CE}"/>
               </a:ext>
             </a:extLst>
           </p:cNvPr>
@@ -6048,581 +5966,60 @@
             <a:spLocks noGrp="1"/>
           </p:cNvSpPr>
           <p:nvPr>
-            <p:ph sz="half" idx="1"/>
-          </p:nvPr>
-        </p:nvSpPr>
-        <p:spPr>
-          <a:xfrm>
-            <a:off x="684211" y="685800"/>
-            <a:ext cx="5417907" cy="3795376"/>
-          </a:xfrm>
-        </p:spPr>
-        <p:txBody>
-          <a:bodyPr vert="horz" lIns="91440" tIns="45720" rIns="91440" bIns="45720" rtlCol="0" anchor="ctr">
-            <a:noAutofit/>
+            <p:ph idx="1"/>
+          </p:nvPr>
+        </p:nvSpPr>
+        <p:spPr/>
+        <p:txBody>
+          <a:bodyPr>
+            <a:normAutofit lnSpcReduction="10000"/>
           </a:bodyPr>
           <a:lstStyle/>
           <a:p>
-            <a:pPr marL="342900" indent="-342900">
-              <a:lnSpc>
-                <a:spcPct val="80000"/>
-              </a:lnSpc>
-            </a:pPr>
-            <a:r>
-              <a:rPr lang="en-US" sz="1800" b="1" dirty="0"/>
-              <a:t>Dataset Collection</a:t>
-            </a:r>
-            <a:r>
-              <a:rPr lang="en-US" sz="1800" dirty="0"/>
-              <a:t>:</a:t>
-            </a:r>
-            <a:endParaRPr lang="en-US" sz="1800"/>
-          </a:p>
-          <a:p>
-            <a:pPr lvl="1">
-              <a:lnSpc>
-                <a:spcPct val="80000"/>
-              </a:lnSpc>
-              <a:buClr>
-                <a:srgbClr val="FFFFFF"/>
-              </a:buClr>
-              <a:buFont typeface="Courier New" panose="05040102010807070707" pitchFamily="18" charset="2"/>
-              <a:buChar char="o"/>
-            </a:pPr>
-            <a:r>
-              <a:rPr lang="en-US" sz="1400" dirty="0"/>
-              <a:t>Images from CIFAR-100, African Wildlife, and COCO.</a:t>
-            </a:r>
-          </a:p>
-          <a:p>
-            <a:pPr lvl="1">
-              <a:lnSpc>
-                <a:spcPct val="80000"/>
-              </a:lnSpc>
-              <a:buClr>
-                <a:srgbClr val="FFFFFF"/>
-              </a:buClr>
-              <a:buFont typeface="Courier New" panose="05040102010807070707" pitchFamily="18" charset="2"/>
-              <a:buChar char="o"/>
-            </a:pPr>
-            <a:r>
-              <a:rPr lang="en-US" sz="1400" dirty="0"/>
-              <a:t>These datasets contain diverse animal species.</a:t>
-            </a:r>
-          </a:p>
-          <a:p>
-            <a:pPr>
-              <a:lnSpc>
-                <a:spcPct val="80000"/>
-              </a:lnSpc>
-              <a:buClr>
-                <a:srgbClr val="FFFFFF"/>
-              </a:buClr>
-            </a:pPr>
-            <a:r>
-              <a:rPr lang="en-US" sz="1800" b="1" dirty="0"/>
-              <a:t>Labeling and Annotation</a:t>
-            </a:r>
-            <a:r>
-              <a:rPr lang="en-US" sz="1800" dirty="0"/>
-              <a:t>:</a:t>
-            </a:r>
-          </a:p>
-          <a:p>
-            <a:pPr lvl="1">
-              <a:lnSpc>
-                <a:spcPct val="80000"/>
-              </a:lnSpc>
-              <a:buClr>
-                <a:srgbClr val="FFFFFF"/>
-              </a:buClr>
-              <a:buFont typeface="Courier New" panose="05040102010807070707" pitchFamily="18" charset="2"/>
-              <a:buChar char="o"/>
-            </a:pPr>
-            <a:r>
-              <a:rPr lang="en-US" sz="1400" dirty="0"/>
-              <a:t>We’ll generate labels such as “Dangerous” or “Not Dangerous” for each animal.</a:t>
-            </a:r>
-          </a:p>
-          <a:p>
-            <a:pPr lvl="1">
-              <a:lnSpc>
-                <a:spcPct val="80000"/>
-              </a:lnSpc>
-              <a:buClr>
-                <a:srgbClr val="FFFFFF"/>
-              </a:buClr>
-              <a:buFont typeface="Courier New" panose="05040102010807070707" pitchFamily="18" charset="2"/>
-              <a:buChar char="o"/>
-            </a:pPr>
-            <a:r>
-              <a:rPr lang="en-US" sz="1400" dirty="0"/>
-              <a:t>Using a computer vision annotation tool like CVAT.AI, we’ll annotate the images with these labels.</a:t>
-            </a:r>
-          </a:p>
-          <a:p>
-            <a:pPr>
-              <a:lnSpc>
-                <a:spcPct val="80000"/>
-              </a:lnSpc>
-              <a:buClr>
-                <a:srgbClr val="FFFFFF"/>
-              </a:buClr>
-            </a:pPr>
-            <a:r>
-              <a:rPr lang="en-US" sz="1800" b="1" dirty="0"/>
-              <a:t>Data Formatting</a:t>
-            </a:r>
-            <a:r>
-              <a:rPr lang="en-US" sz="1800" dirty="0"/>
-              <a:t>:</a:t>
-            </a:r>
-          </a:p>
-          <a:p>
-            <a:pPr lvl="1">
-              <a:lnSpc>
-                <a:spcPct val="80000"/>
-              </a:lnSpc>
-              <a:buClr>
-                <a:srgbClr val="FFFFFF"/>
-              </a:buClr>
-              <a:buFont typeface="Courier New" panose="05040102010807070707" pitchFamily="18" charset="2"/>
-              <a:buChar char="o"/>
-            </a:pPr>
-            <a:r>
-              <a:rPr lang="en-US" sz="1400" dirty="0"/>
-              <a:t>We’ll ensure that our images and labels match the model’s input requirements.</a:t>
-            </a:r>
-          </a:p>
-          <a:p>
-            <a:pPr lvl="1">
-              <a:lnSpc>
-                <a:spcPct val="80000"/>
-              </a:lnSpc>
-              <a:buClr>
-                <a:srgbClr val="FFFFFF"/>
-              </a:buClr>
-              <a:buFont typeface="Courier New" panose="05040102010807070707" pitchFamily="18" charset="2"/>
-              <a:buChar char="o"/>
-            </a:pPr>
-            <a:r>
-              <a:rPr lang="en-US" sz="1400" dirty="0"/>
-              <a:t>Once ready, we’ll split the data into train, validation, and test sets.</a:t>
-            </a:r>
-          </a:p>
-        </p:txBody>
-      </p:sp>
-      <p:sp>
-        <p:nvSpPr>
-          <p:cNvPr id="7" name="Content Placeholder 2">
-            <a:extLst>
-              <a:ext uri="{FF2B5EF4-FFF2-40B4-BE49-F238E27FC236}">
-                <a16:creationId xmlns:a16="http://schemas.microsoft.com/office/drawing/2014/main" id="{B7FF9BF0-8CB6-74E5-264C-F942AEC5523E}"/>
-              </a:ext>
-            </a:extLst>
-          </p:cNvPr>
-          <p:cNvSpPr txBox="1">
-            <a:spLocks/>
-          </p:cNvSpPr>
-          <p:nvPr/>
-        </p:nvSpPr>
-        <p:spPr>
-          <a:xfrm>
-            <a:off x="6100174" y="684519"/>
-            <a:ext cx="5405099" cy="3628074"/>
-          </a:xfrm>
-          <a:prstGeom prst="rect">
-            <a:avLst/>
-          </a:prstGeom>
-        </p:spPr>
-        <p:txBody>
-          <a:bodyPr vert="horz" lIns="91440" tIns="45720" rIns="91440" bIns="45720" rtlCol="0" anchor="ctr">
-            <a:noAutofit/>
-          </a:bodyPr>
-          <a:lstStyle>
-            <a:lvl1pPr marL="285750" indent="-285750" algn="l" defTabSz="457200" rtl="0" eaLnBrk="1" latinLnBrk="0" hangingPunct="1">
-              <a:spcBef>
-                <a:spcPct val="20000"/>
-              </a:spcBef>
-              <a:spcAft>
-                <a:spcPts val="600"/>
-              </a:spcAft>
-              <a:buClr>
-                <a:schemeClr val="tx1"/>
-              </a:buClr>
-              <a:buSzPct val="80000"/>
-              <a:buFont typeface="Wingdings 3" panose="05040102010807070707" pitchFamily="18" charset="2"/>
-              <a:buChar char=""/>
-              <a:defRPr sz="2000" kern="1200" cap="none">
-                <a:solidFill>
-                  <a:schemeClr val="bg2">
-                    <a:lumMod val="75000"/>
-                  </a:schemeClr>
-                </a:solidFill>
-                <a:effectLst/>
-                <a:latin typeface="+mn-lt"/>
-                <a:ea typeface="+mn-ea"/>
-                <a:cs typeface="+mn-cs"/>
-              </a:defRPr>
-            </a:lvl1pPr>
-            <a:lvl2pPr marL="742950" indent="-285750" algn="l" defTabSz="457200" rtl="0" eaLnBrk="1" latinLnBrk="0" hangingPunct="1">
-              <a:spcBef>
-                <a:spcPct val="20000"/>
-              </a:spcBef>
-              <a:spcAft>
-                <a:spcPts val="600"/>
-              </a:spcAft>
-              <a:buClr>
-                <a:schemeClr val="tx1"/>
-              </a:buClr>
-              <a:buSzPct val="80000"/>
-              <a:buFont typeface="Wingdings 3" panose="05040102010807070707" pitchFamily="18" charset="2"/>
-              <a:buChar char=""/>
-              <a:defRPr sz="1800" kern="1200" cap="none">
-                <a:solidFill>
-                  <a:schemeClr val="bg2">
-                    <a:lumMod val="75000"/>
-                  </a:schemeClr>
-                </a:solidFill>
-                <a:effectLst/>
-                <a:latin typeface="+mn-lt"/>
-                <a:ea typeface="+mn-ea"/>
-                <a:cs typeface="+mn-cs"/>
-              </a:defRPr>
-            </a:lvl2pPr>
-            <a:lvl3pPr marL="1200150" indent="-285750" algn="l" defTabSz="457200" rtl="0" eaLnBrk="1" latinLnBrk="0" hangingPunct="1">
-              <a:spcBef>
-                <a:spcPct val="20000"/>
-              </a:spcBef>
-              <a:spcAft>
-                <a:spcPts val="600"/>
-              </a:spcAft>
-              <a:buClr>
-                <a:schemeClr val="tx1"/>
-              </a:buClr>
-              <a:buSzPct val="80000"/>
-              <a:buFont typeface="Wingdings 3" panose="05040102010807070707" pitchFamily="18" charset="2"/>
-              <a:buChar char=""/>
-              <a:defRPr sz="1600" kern="1200" cap="none">
-                <a:solidFill>
-                  <a:schemeClr val="bg2">
-                    <a:lumMod val="75000"/>
-                  </a:schemeClr>
-                </a:solidFill>
-                <a:effectLst/>
-                <a:latin typeface="+mn-lt"/>
-                <a:ea typeface="+mn-ea"/>
-                <a:cs typeface="+mn-cs"/>
-              </a:defRPr>
-            </a:lvl3pPr>
-            <a:lvl4pPr marL="1543050" indent="-171450" algn="l" defTabSz="457200" rtl="0" eaLnBrk="1" latinLnBrk="0" hangingPunct="1">
-              <a:spcBef>
-                <a:spcPct val="20000"/>
-              </a:spcBef>
-              <a:spcAft>
-                <a:spcPts val="600"/>
-              </a:spcAft>
-              <a:buClr>
-                <a:schemeClr val="tx1"/>
-              </a:buClr>
-              <a:buSzPct val="80000"/>
-              <a:buFont typeface="Wingdings 3" panose="05040102010807070707" pitchFamily="18" charset="2"/>
-              <a:buChar char=""/>
-              <a:defRPr sz="1400" kern="1200" cap="none">
-                <a:solidFill>
-                  <a:schemeClr val="bg2">
-                    <a:lumMod val="75000"/>
-                  </a:schemeClr>
-                </a:solidFill>
-                <a:effectLst/>
-                <a:latin typeface="+mn-lt"/>
-                <a:ea typeface="+mn-ea"/>
-                <a:cs typeface="+mn-cs"/>
-              </a:defRPr>
-            </a:lvl4pPr>
-            <a:lvl5pPr marL="2000250" indent="-171450" algn="l" defTabSz="457200" rtl="0" eaLnBrk="1" latinLnBrk="0" hangingPunct="1">
-              <a:spcBef>
-                <a:spcPct val="20000"/>
-              </a:spcBef>
-              <a:spcAft>
-                <a:spcPts val="600"/>
-              </a:spcAft>
-              <a:buClr>
-                <a:schemeClr val="tx1"/>
-              </a:buClr>
-              <a:buSzPct val="80000"/>
-              <a:buFont typeface="Wingdings 3" panose="05040102010807070707" pitchFamily="18" charset="2"/>
-              <a:buChar char=""/>
-              <a:defRPr sz="1400" kern="1200" cap="none">
-                <a:solidFill>
-                  <a:schemeClr val="bg2">
-                    <a:lumMod val="75000"/>
-                  </a:schemeClr>
-                </a:solidFill>
-                <a:effectLst/>
-                <a:latin typeface="+mn-lt"/>
-                <a:ea typeface="+mn-ea"/>
-                <a:cs typeface="+mn-cs"/>
-              </a:defRPr>
-            </a:lvl5pPr>
-            <a:lvl6pPr marL="2514600" indent="-228600" algn="l" defTabSz="457200" rtl="0" eaLnBrk="1" latinLnBrk="0" hangingPunct="1">
-              <a:spcBef>
-                <a:spcPct val="20000"/>
-              </a:spcBef>
-              <a:spcAft>
-                <a:spcPts val="600"/>
-              </a:spcAft>
-              <a:buClr>
-                <a:schemeClr val="tx1"/>
-              </a:buClr>
-              <a:buSzPct val="80000"/>
-              <a:buFont typeface="Wingdings 3" panose="05040102010807070707" pitchFamily="18" charset="2"/>
-              <a:buChar char=""/>
-              <a:defRPr sz="1400" kern="1200" cap="none">
-                <a:solidFill>
-                  <a:schemeClr val="bg2">
-                    <a:lumMod val="75000"/>
-                  </a:schemeClr>
-                </a:solidFill>
-                <a:effectLst/>
-                <a:latin typeface="+mn-lt"/>
-                <a:ea typeface="+mn-ea"/>
-                <a:cs typeface="+mn-cs"/>
-              </a:defRPr>
-            </a:lvl6pPr>
-            <a:lvl7pPr marL="2971800" indent="-228600" algn="l" defTabSz="457200" rtl="0" eaLnBrk="1" latinLnBrk="0" hangingPunct="1">
-              <a:spcBef>
-                <a:spcPct val="20000"/>
-              </a:spcBef>
-              <a:spcAft>
-                <a:spcPts val="600"/>
-              </a:spcAft>
-              <a:buClr>
-                <a:schemeClr val="tx1"/>
-              </a:buClr>
-              <a:buSzPct val="80000"/>
-              <a:buFont typeface="Wingdings 3" panose="05040102010807070707" pitchFamily="18" charset="2"/>
-              <a:buChar char=""/>
-              <a:defRPr sz="1400" kern="1200" cap="none">
-                <a:solidFill>
-                  <a:schemeClr val="bg2">
-                    <a:lumMod val="75000"/>
-                  </a:schemeClr>
-                </a:solidFill>
-                <a:effectLst/>
-                <a:latin typeface="+mn-lt"/>
-                <a:ea typeface="+mn-ea"/>
-                <a:cs typeface="+mn-cs"/>
-              </a:defRPr>
-            </a:lvl7pPr>
-            <a:lvl8pPr marL="3429000" indent="-228600" algn="l" defTabSz="457200" rtl="0" eaLnBrk="1" latinLnBrk="0" hangingPunct="1">
-              <a:spcBef>
-                <a:spcPct val="20000"/>
-              </a:spcBef>
-              <a:spcAft>
-                <a:spcPts val="600"/>
-              </a:spcAft>
-              <a:buClr>
-                <a:schemeClr val="tx1"/>
-              </a:buClr>
-              <a:buSzPct val="80000"/>
-              <a:buFont typeface="Wingdings 3" panose="05040102010807070707" pitchFamily="18" charset="2"/>
-              <a:buChar char=""/>
-              <a:defRPr sz="1400" kern="1200" cap="none">
-                <a:solidFill>
-                  <a:schemeClr val="bg2">
-                    <a:lumMod val="75000"/>
-                  </a:schemeClr>
-                </a:solidFill>
-                <a:effectLst/>
-                <a:latin typeface="+mn-lt"/>
-                <a:ea typeface="+mn-ea"/>
-                <a:cs typeface="+mn-cs"/>
-              </a:defRPr>
-            </a:lvl8pPr>
-            <a:lvl9pPr marL="3886200" indent="-228600" algn="l" defTabSz="457200" rtl="0" eaLnBrk="1" latinLnBrk="0" hangingPunct="1">
-              <a:spcBef>
-                <a:spcPct val="20000"/>
-              </a:spcBef>
-              <a:spcAft>
-                <a:spcPts val="600"/>
-              </a:spcAft>
-              <a:buClr>
-                <a:schemeClr val="tx1"/>
-              </a:buClr>
-              <a:buSzPct val="80000"/>
-              <a:buFont typeface="Wingdings 3" panose="05040102010807070707" pitchFamily="18" charset="2"/>
-              <a:buChar char=""/>
-              <a:defRPr sz="1400" kern="1200" cap="none">
-                <a:solidFill>
-                  <a:schemeClr val="bg2">
-                    <a:lumMod val="75000"/>
-                  </a:schemeClr>
-                </a:solidFill>
-                <a:effectLst/>
-                <a:latin typeface="+mn-lt"/>
-                <a:ea typeface="+mn-ea"/>
-                <a:cs typeface="+mn-cs"/>
-              </a:defRPr>
-            </a:lvl9pPr>
-          </a:lstStyle>
-          <a:p>
-            <a:pPr marL="342900" indent="-342900">
-              <a:lnSpc>
-                <a:spcPct val="80000"/>
-              </a:lnSpc>
-              <a:buClr>
-                <a:prstClr val="white"/>
-              </a:buClr>
-            </a:pPr>
-            <a:r>
-              <a:rPr lang="en-US" sz="1600" b="1" dirty="0"/>
-              <a:t>Model Training:</a:t>
-            </a:r>
-            <a:endParaRPr lang="en-US" sz="1600"/>
-          </a:p>
-          <a:p>
-            <a:pPr lvl="1">
-              <a:lnSpc>
-                <a:spcPct val="80000"/>
-              </a:lnSpc>
-              <a:buClr>
-                <a:srgbClr val="FFFFFF"/>
-              </a:buClr>
-              <a:buFont typeface="Courier New" panose="05040102010807070707" pitchFamily="18" charset="2"/>
-              <a:buChar char="o"/>
-            </a:pPr>
-            <a:r>
-              <a:rPr lang="en-US" sz="1200" dirty="0"/>
-              <a:t>We’ll use the YOLOv8 model to train on our custom dataset.</a:t>
-            </a:r>
-            <a:endParaRPr lang="en-US" sz="1200" dirty="0">
-              <a:solidFill>
-                <a:srgbClr val="0F496F"/>
-              </a:solidFill>
-              <a:ea typeface="+mn-lt"/>
-              <a:cs typeface="+mn-lt"/>
-            </a:endParaRPr>
-          </a:p>
-          <a:p>
-            <a:pPr lvl="1">
-              <a:lnSpc>
-                <a:spcPct val="80000"/>
-              </a:lnSpc>
-              <a:buClr>
-                <a:srgbClr val="FFFFFF"/>
-              </a:buClr>
-              <a:buFont typeface="Courier New" panose="05040102010807070707" pitchFamily="18" charset="2"/>
-              <a:buChar char="o"/>
-            </a:pPr>
-            <a:r>
-              <a:rPr lang="en-US" sz="1200" dirty="0">
-                <a:solidFill>
-                  <a:srgbClr val="0F496F"/>
-                </a:solidFill>
-                <a:ea typeface="+mn-lt"/>
-                <a:cs typeface="+mn-lt"/>
-              </a:rPr>
-              <a:t>YOLO uses a convolutional neural network (CNN) to predict the bounding boxes and class probabilities of objects in input images.</a:t>
-            </a:r>
-            <a:endParaRPr lang="en-US" sz="1200" dirty="0"/>
-          </a:p>
-          <a:p>
-            <a:pPr lvl="1">
-              <a:lnSpc>
-                <a:spcPct val="80000"/>
-              </a:lnSpc>
-              <a:buClr>
-                <a:srgbClr val="FFFFFF"/>
-              </a:buClr>
-              <a:buFont typeface="Courier New" panose="05040102010807070707" pitchFamily="18" charset="2"/>
-              <a:buChar char="o"/>
-            </a:pPr>
-            <a:r>
-              <a:rPr lang="en-US" sz="1200" dirty="0"/>
-              <a:t>The model will learn to detect animals based on their labels (Dangerous or Not Dangerous).</a:t>
-            </a:r>
-          </a:p>
-          <a:p>
-            <a:pPr marL="342900" indent="-342900">
-              <a:buClr>
-                <a:srgbClr val="FFFFFF"/>
-              </a:buClr>
-              <a:buFont typeface="Wingdings 3" panose="05040102010807070707" pitchFamily="18" charset="2"/>
-              <a:buChar char=""/>
-            </a:pPr>
-            <a:r>
-              <a:rPr lang="en-US" sz="1600" b="1" dirty="0"/>
-              <a:t>Performance Evaluation:</a:t>
-            </a:r>
-          </a:p>
-          <a:p>
-            <a:pPr lvl="1">
-              <a:lnSpc>
-                <a:spcPct val="80000"/>
-              </a:lnSpc>
-              <a:buClr>
-                <a:srgbClr val="FFFFFF"/>
-              </a:buClr>
-              <a:buFont typeface="Courier New" panose="05040102010807070707" pitchFamily="18" charset="2"/>
-              <a:buChar char="o"/>
-            </a:pPr>
-            <a:r>
-              <a:rPr lang="en-US" sz="1200" dirty="0"/>
-              <a:t>After training, we’ll evaluate the model’s performance.</a:t>
-            </a:r>
-          </a:p>
-          <a:p>
-            <a:pPr lvl="1">
-              <a:lnSpc>
-                <a:spcPct val="80000"/>
-              </a:lnSpc>
-              <a:buClr>
-                <a:srgbClr val="FFFFFF"/>
-              </a:buClr>
-              <a:buFont typeface="Courier New" panose="05040102010807070707" pitchFamily="18" charset="2"/>
-              <a:buChar char="o"/>
-            </a:pPr>
-            <a:r>
-              <a:rPr lang="en-US" sz="1200" dirty="0"/>
-              <a:t>Metrics like F1-scores, confusion matrices, and other relevant measures will help us assess its accuracy.</a:t>
-            </a:r>
-          </a:p>
-          <a:p>
-            <a:pPr marL="342900" indent="-342900">
-              <a:buClr>
-                <a:srgbClr val="FFFFFF"/>
-              </a:buClr>
-              <a:buFont typeface="Wingdings 3" panose="05040102010807070707" pitchFamily="18" charset="2"/>
-              <a:buChar char=""/>
-            </a:pPr>
-            <a:r>
-              <a:rPr lang="en-US" sz="1600" b="1" dirty="0"/>
-              <a:t>Prediction:</a:t>
-            </a:r>
-          </a:p>
-          <a:p>
-            <a:pPr lvl="1">
-              <a:lnSpc>
-                <a:spcPct val="80000"/>
-              </a:lnSpc>
-              <a:buClr>
-                <a:srgbClr val="FFFFFF"/>
-              </a:buClr>
-              <a:buFont typeface="Courier New" panose="05040102010807070707" pitchFamily="18" charset="2"/>
-              <a:buChar char="o"/>
-            </a:pPr>
-            <a:r>
-              <a:rPr lang="en-US" sz="1200" dirty="0"/>
-              <a:t>With our trained model, we can predict whether an animal is dangerous or not in images or videos.</a:t>
-            </a:r>
+            <a:r>
+              <a:rPr lang="en-US" dirty="0"/>
+              <a:t>YOLO (You Only Look Once). </a:t>
+            </a:r>
+          </a:p>
+          <a:p>
+            <a:r>
+              <a:rPr lang="en-US" dirty="0"/>
+              <a:t>Frames object detection as a single regression problem (unique)</a:t>
+            </a:r>
+          </a:p>
+          <a:p>
+            <a:r>
+              <a:rPr lang="en-US" dirty="0"/>
+              <a:t>Allows for higher speed and accuracy</a:t>
+            </a:r>
+          </a:p>
+          <a:p>
+            <a:r>
+              <a:rPr lang="en-US" dirty="0"/>
+              <a:t>Trained using a custom dataset, which includes images of a handful of different animals and their corresponding labels (Dangerous or Not Dangerous).  </a:t>
+            </a:r>
+          </a:p>
+          <a:p>
+            <a:r>
+              <a:rPr lang="en-US" dirty="0"/>
+              <a:t>7 animal classes in this experiment: buffalo, elephant, rhino, zebra, lion, ostrich, turtle</a:t>
+            </a:r>
+          </a:p>
+          <a:p>
+            <a:r>
+              <a:rPr lang="en-US" dirty="0"/>
+              <a:t>“Dangerous" label conferred upon the buffalo, rhino, lion, and ostrich classes</a:t>
+            </a:r>
+          </a:p>
+          <a:p>
+            <a:endParaRPr lang="en-US" dirty="0"/>
           </a:p>
         </p:txBody>
       </p:sp>
     </p:spTree>
     <p:extLst>
       <p:ext uri="{BB962C8B-B14F-4D97-AF65-F5344CB8AC3E}">
-        <p14:creationId xmlns:p14="http://schemas.microsoft.com/office/powerpoint/2010/main" val="472256471"/>
+        <p14:creationId xmlns:p14="http://schemas.microsoft.com/office/powerpoint/2010/main" val="733414862"/>
       </p:ext>
     </p:extLst>
   </p:cSld>
@@ -6654,7 +6051,7 @@
           <p:cNvPr id="2" name="Title 1">
             <a:extLst>
               <a:ext uri="{FF2B5EF4-FFF2-40B4-BE49-F238E27FC236}">
-                <a16:creationId xmlns:a16="http://schemas.microsoft.com/office/drawing/2014/main" id="{E28F0BB1-8A64-61D9-59C6-2BF385C7BFC7}"/>
+                <a16:creationId xmlns:a16="http://schemas.microsoft.com/office/drawing/2014/main" id="{460D3C79-B909-8CF0-6DC1-D7784C46DE3D}"/>
               </a:ext>
             </a:extLst>
           </p:cNvPr>
@@ -6672,7 +6069,7 @@
           <a:p>
             <a:r>
               <a:rPr lang="en-US" dirty="0"/>
-              <a:t>Model used</a:t>
+              <a:t>Scalability</a:t>
             </a:r>
           </a:p>
         </p:txBody>
@@ -6682,7 +6079,7 @@
           <p:cNvPr id="3" name="Content Placeholder 2">
             <a:extLst>
               <a:ext uri="{FF2B5EF4-FFF2-40B4-BE49-F238E27FC236}">
-                <a16:creationId xmlns:a16="http://schemas.microsoft.com/office/drawing/2014/main" id="{36D4D973-52E0-05EA-D234-7659BB15F0CE}"/>
+                <a16:creationId xmlns:a16="http://schemas.microsoft.com/office/drawing/2014/main" id="{9636BCCD-275A-9C17-E9DD-693288D0858A}"/>
               </a:ext>
             </a:extLst>
           </p:cNvPr>
@@ -6700,25 +6097,13 @@
           <a:p>
             <a:r>
               <a:rPr lang="en-US" dirty="0"/>
-              <a:t>YOLO (You Only Look Once). </a:t>
+              <a:t>Easy to add animal classes</a:t>
             </a:r>
           </a:p>
           <a:p>
             <a:r>
               <a:rPr lang="en-US" dirty="0"/>
-              <a:t>Trained using a custom dataset, which includes images of a handful of different animals and their corresponding labels (Dangerous or Not Dangerous).  </a:t>
-            </a:r>
-          </a:p>
-          <a:p>
-            <a:r>
-              <a:rPr lang="en-US" dirty="0"/>
-              <a:t>7 animal classes in this experiment: buffalo, elephant, rhino, zebra, lion, ostrich, turtle</a:t>
-            </a:r>
-          </a:p>
-          <a:p>
-            <a:r>
-              <a:rPr lang="en-US" dirty="0"/>
-              <a:t>“Dangerous" label conferred upon the buffalo, rhino, lion, and ostrich classes</a:t>
+              <a:t>Labels can be customized depending on user needs and goals</a:t>
             </a:r>
           </a:p>
         </p:txBody>
@@ -6726,7 +6111,7 @@
     </p:spTree>
     <p:extLst>
       <p:ext uri="{BB962C8B-B14F-4D97-AF65-F5344CB8AC3E}">
-        <p14:creationId xmlns:p14="http://schemas.microsoft.com/office/powerpoint/2010/main" val="733414862"/>
+        <p14:creationId xmlns:p14="http://schemas.microsoft.com/office/powerpoint/2010/main" val="3356924059"/>
       </p:ext>
     </p:extLst>
   </p:cSld>
@@ -6758,7 +6143,7 @@
           <p:cNvPr id="2" name="Title 1">
             <a:extLst>
               <a:ext uri="{FF2B5EF4-FFF2-40B4-BE49-F238E27FC236}">
-                <a16:creationId xmlns:a16="http://schemas.microsoft.com/office/drawing/2014/main" id="{69149818-4C58-1A17-89ED-E830FF4CA8CF}"/>
+                <a16:creationId xmlns:a16="http://schemas.microsoft.com/office/drawing/2014/main" id="{FB005096-FD82-6449-5BB7-515DEEF3171B}"/>
               </a:ext>
             </a:extLst>
           </p:cNvPr>
@@ -6776,7 +6161,7 @@
           <a:p>
             <a:r>
               <a:rPr lang="en-US" dirty="0"/>
-              <a:t>References</a:t>
+              <a:t>Training</a:t>
             </a:r>
           </a:p>
         </p:txBody>
@@ -6786,7 +6171,7 @@
           <p:cNvPr id="3" name="Content Placeholder 2">
             <a:extLst>
               <a:ext uri="{FF2B5EF4-FFF2-40B4-BE49-F238E27FC236}">
-                <a16:creationId xmlns:a16="http://schemas.microsoft.com/office/drawing/2014/main" id="{99430064-9840-BBEC-54B1-2A9DCB357BFB}"/>
+                <a16:creationId xmlns:a16="http://schemas.microsoft.com/office/drawing/2014/main" id="{44E99C87-EF9E-7046-2460-DFDCE5478B8B}"/>
               </a:ext>
             </a:extLst>
           </p:cNvPr>
@@ -6800,180 +6185,467 @@
         <p:spPr/>
         <p:txBody>
           <a:bodyPr>
-            <a:normAutofit fontScale="92500"/>
+            <a:normAutofit fontScale="92500" lnSpcReduction="20000"/>
           </a:bodyPr>
           <a:lstStyle/>
           <a:p>
-            <a:pPr marL="0" indent="0">
-              <a:lnSpc>
-                <a:spcPct val="200000"/>
-              </a:lnSpc>
-              <a:spcBef>
-                <a:spcPts val="0"/>
-              </a:spcBef>
-              <a:spcAft>
-                <a:spcPts val="0"/>
-              </a:spcAft>
-              <a:buNone/>
-            </a:pPr>
-            <a:r>
-              <a:rPr lang="en-US" sz="1800" i="1" kern="0" dirty="0">
-                <a:effectLst/>
-                <a:latin typeface="Century Gothic"/>
-                <a:ea typeface="Times New Roman" panose="02020603050405020304" pitchFamily="18" charset="0"/>
-                <a:cs typeface="Times New Roman"/>
-              </a:rPr>
-              <a:t>7 Real-Life Use Cases of Object Detection</a:t>
-            </a:r>
-            <a:r>
-              <a:rPr lang="en-US" sz="1800" kern="0" dirty="0">
-                <a:effectLst/>
-                <a:latin typeface="Century Gothic"/>
-                <a:ea typeface="Times New Roman" panose="02020603050405020304" pitchFamily="18" charset="0"/>
-                <a:cs typeface="Times New Roman"/>
-              </a:rPr>
-              <a:t>. (2024). Folio3; Folio3 Software, Inc.</a:t>
-            </a:r>
-            <a:r>
-              <a:rPr lang="en-US" sz="1800" kern="0" dirty="0">
-                <a:latin typeface="Century Gothic"/>
-                <a:ea typeface="Times New Roman" panose="02020603050405020304" pitchFamily="18" charset="0"/>
-                <a:cs typeface="Times New Roman"/>
-              </a:rPr>
-              <a:t> </a:t>
-            </a:r>
-            <a:endParaRPr lang="en-US" sz="1800" kern="100">
-              <a:effectLst/>
-              <a:latin typeface="Century Gothic"/>
-              <a:ea typeface="Aptos" panose="020B0004020202020204" pitchFamily="34" charset="0"/>
-              <a:cs typeface="Times New Roman" panose="02020603050405020304" pitchFamily="18" charset="0"/>
-            </a:endParaRPr>
-          </a:p>
-          <a:p>
-            <a:pPr marL="0" marR="0" indent="0">
-              <a:lnSpc>
-                <a:spcPct val="200000"/>
-              </a:lnSpc>
-              <a:spcBef>
-                <a:spcPts val="0"/>
-              </a:spcBef>
-              <a:spcAft>
-                <a:spcPts val="0"/>
-              </a:spcAft>
-              <a:buNone/>
-            </a:pPr>
-            <a:r>
-              <a:rPr lang="en-US" sz="1800" kern="0" dirty="0">
-                <a:effectLst/>
-                <a:latin typeface="Century Gothic"/>
-                <a:ea typeface="Times New Roman" panose="02020603050405020304" pitchFamily="18" charset="0"/>
-                <a:cs typeface="Times New Roman"/>
-              </a:rPr>
-              <a:t>	https://www.folio3.ai/blog/use-cases-of-object-detection/</a:t>
-            </a:r>
-            <a:endParaRPr lang="en-US" sz="1800" kern="100">
-              <a:effectLst/>
-              <a:latin typeface="Century Gothic"/>
-              <a:ea typeface="Aptos" panose="020B0004020202020204" pitchFamily="34" charset="0"/>
-              <a:cs typeface="Times New Roman"/>
-            </a:endParaRPr>
-          </a:p>
-          <a:p>
-            <a:pPr marL="0" indent="0">
-              <a:lnSpc>
-                <a:spcPct val="200000"/>
-              </a:lnSpc>
-              <a:spcBef>
-                <a:spcPts val="0"/>
-              </a:spcBef>
-              <a:spcAft>
-                <a:spcPts val="800"/>
-              </a:spcAft>
-              <a:buNone/>
-            </a:pPr>
-            <a:r>
-              <a:rPr lang="en-US" sz="1800" kern="100" dirty="0">
-                <a:effectLst/>
-                <a:latin typeface="Century Gothic"/>
-                <a:ea typeface="Times New Roman" panose="02020603050405020304" pitchFamily="18" charset="0"/>
-                <a:cs typeface="Times New Roman"/>
-              </a:rPr>
-              <a:t>Borah, C. (2020, November 11). Evolution of object detection. </a:t>
-            </a:r>
-            <a:r>
-              <a:rPr lang="en-US" sz="1800" i="1" kern="100" dirty="0">
-                <a:effectLst/>
-                <a:latin typeface="Century Gothic"/>
-                <a:ea typeface="Times New Roman" panose="02020603050405020304" pitchFamily="18" charset="0"/>
-                <a:cs typeface="Times New Roman"/>
-              </a:rPr>
-              <a:t>Analytics Vidhya</a:t>
-            </a:r>
-            <a:r>
-              <a:rPr lang="en-US" sz="1800" kern="100" dirty="0">
-                <a:effectLst/>
-                <a:latin typeface="Century Gothic"/>
-                <a:ea typeface="Times New Roman" panose="02020603050405020304" pitchFamily="18" charset="0"/>
-                <a:cs typeface="Times New Roman"/>
-              </a:rPr>
-              <a:t>.</a:t>
-            </a:r>
-            <a:r>
-              <a:rPr lang="en-US" sz="1800" kern="100" dirty="0">
-                <a:latin typeface="Century Gothic"/>
-                <a:ea typeface="Times New Roman" panose="02020603050405020304" pitchFamily="18" charset="0"/>
-                <a:cs typeface="Times New Roman"/>
-              </a:rPr>
-              <a:t> </a:t>
-            </a:r>
-            <a:endParaRPr lang="en-US" sz="1800" kern="100">
-              <a:effectLst/>
-              <a:latin typeface="Century Gothic"/>
-              <a:ea typeface="Aptos" panose="020B0004020202020204" pitchFamily="34" charset="0"/>
-              <a:cs typeface="Times New Roman" panose="02020603050405020304" pitchFamily="18" charset="0"/>
-            </a:endParaRPr>
-          </a:p>
-          <a:p>
-            <a:pPr marL="0" marR="0" indent="0">
-              <a:lnSpc>
-                <a:spcPct val="200000"/>
-              </a:lnSpc>
-              <a:spcBef>
-                <a:spcPts val="0"/>
-              </a:spcBef>
-              <a:spcAft>
-                <a:spcPts val="800"/>
-              </a:spcAft>
-              <a:buNone/>
-            </a:pPr>
-            <a:r>
-              <a:rPr lang="en-US" sz="1800" kern="100" dirty="0">
-                <a:effectLst/>
-                <a:latin typeface="Century Gothic"/>
-                <a:ea typeface="Times New Roman" panose="02020603050405020304" pitchFamily="18" charset="0"/>
-                <a:cs typeface="Times New Roman"/>
-              </a:rPr>
-              <a:t>	https://medium.com/analytics-vidhya/evolution-of-object-detection-582259d2aa9b</a:t>
-            </a:r>
-            <a:endParaRPr lang="en-US" sz="1800" kern="100" dirty="0">
-              <a:effectLst/>
-              <a:latin typeface="Century Gothic"/>
-              <a:ea typeface="Aptos" panose="020B0004020202020204" pitchFamily="34" charset="0"/>
-              <a:cs typeface="Times New Roman"/>
-            </a:endParaRPr>
-          </a:p>
-          <a:p>
-            <a:pPr marL="0" indent="0">
-              <a:buNone/>
-            </a:pPr>
-            <a:endParaRPr lang="en-US" dirty="0"/>
+            <a:r>
+              <a:rPr lang="en-US" dirty="0"/>
+              <a:t>Start with annotated image set—bounding boxes, class labels</a:t>
+            </a:r>
+          </a:p>
+          <a:p>
+            <a:r>
+              <a:rPr lang="en-US" dirty="0"/>
+              <a:t>Initialized with random weights, trained with a combination of convolutional and fully connected layers</a:t>
+            </a:r>
+          </a:p>
+          <a:p>
+            <a:r>
+              <a:rPr lang="en-US" dirty="0"/>
+              <a:t>Divide input image into grid of cells, each responsible for predicting a fixed number of bounding boxes and their confidence scores</a:t>
+            </a:r>
+          </a:p>
+          <a:p>
+            <a:r>
+              <a:rPr lang="en-US" dirty="0"/>
+              <a:t>Confidence score: probability that a bounding box contains an object (and the accuracy of the box itself)</a:t>
+            </a:r>
+          </a:p>
+          <a:p>
+            <a:r>
+              <a:rPr lang="en-US" dirty="0"/>
+              <a:t>Loss function: trained with backpropagation and gradient descent</a:t>
+            </a:r>
+          </a:p>
+          <a:p>
+            <a:pPr lvl="1"/>
+            <a:r>
+              <a:rPr lang="en-US" dirty="0"/>
+              <a:t>Combination of localization loss to measure the accuracy of the predicted bounding boxes, confidence loss to measure the accuracy of the confidence scores, and classification loss to measure the accuracy of the predicted class probabilities</a:t>
+            </a:r>
           </a:p>
         </p:txBody>
       </p:sp>
     </p:spTree>
     <p:extLst>
       <p:ext uri="{BB962C8B-B14F-4D97-AF65-F5344CB8AC3E}">
-        <p14:creationId xmlns:p14="http://schemas.microsoft.com/office/powerpoint/2010/main" val="3297428639"/>
+        <p14:creationId xmlns:p14="http://schemas.microsoft.com/office/powerpoint/2010/main" val="3824167174"/>
+      </p:ext>
+    </p:extLst>
+  </p:cSld>
+  <p:clrMapOvr>
+    <a:masterClrMapping/>
+  </p:clrMapOvr>
+</p:sld>
+</file>
+
+<file path=ppt/slides/slide6.xml><?xml version="1.0" encoding="utf-8"?>
+<p:sld xmlns:a="http://schemas.openxmlformats.org/drawingml/2006/main" xmlns:r="http://schemas.openxmlformats.org/officeDocument/2006/relationships" xmlns:p="http://schemas.openxmlformats.org/presentationml/2006/main">
+  <p:cSld>
+    <p:spTree>
+      <p:nvGrpSpPr>
+        <p:cNvPr id="1" name=""/>
+        <p:cNvGrpSpPr/>
+        <p:nvPr/>
+      </p:nvGrpSpPr>
+      <p:grpSpPr>
+        <a:xfrm>
+          <a:off x="0" y="0"/>
+          <a:ext cx="0" cy="0"/>
+          <a:chOff x="0" y="0"/>
+          <a:chExt cx="0" cy="0"/>
+        </a:xfrm>
+      </p:grpSpPr>
+      <p:sp>
+        <p:nvSpPr>
+          <p:cNvPr id="2" name="Title 1">
+            <a:extLst>
+              <a:ext uri="{FF2B5EF4-FFF2-40B4-BE49-F238E27FC236}">
+                <a16:creationId xmlns:a16="http://schemas.microsoft.com/office/drawing/2014/main" id="{3F2EF591-4C5F-C8FC-A2EE-7224651DDC2F}"/>
+              </a:ext>
+            </a:extLst>
+          </p:cNvPr>
+          <p:cNvSpPr>
+            <a:spLocks noGrp="1"/>
+          </p:cNvSpPr>
+          <p:nvPr>
+            <p:ph type="title"/>
+          </p:nvPr>
+        </p:nvSpPr>
+        <p:spPr/>
+        <p:txBody>
+          <a:bodyPr/>
+          <a:lstStyle/>
+          <a:p>
+            <a:r>
+              <a:rPr lang="en-US" dirty="0"/>
+              <a:t>Model Advantages</a:t>
+            </a:r>
+          </a:p>
+        </p:txBody>
+      </p:sp>
+      <p:sp>
+        <p:nvSpPr>
+          <p:cNvPr id="3" name="Content Placeholder 2">
+            <a:extLst>
+              <a:ext uri="{FF2B5EF4-FFF2-40B4-BE49-F238E27FC236}">
+                <a16:creationId xmlns:a16="http://schemas.microsoft.com/office/drawing/2014/main" id="{B90E1380-C33B-8B0F-457A-C221DABCA194}"/>
+              </a:ext>
+            </a:extLst>
+          </p:cNvPr>
+          <p:cNvSpPr>
+            <a:spLocks noGrp="1"/>
+          </p:cNvSpPr>
+          <p:nvPr>
+            <p:ph idx="1"/>
+          </p:nvPr>
+        </p:nvSpPr>
+        <p:spPr/>
+        <p:txBody>
+          <a:bodyPr/>
+          <a:lstStyle/>
+          <a:p>
+            <a:r>
+              <a:rPr lang="en-US" dirty="0"/>
+              <a:t>Speed (due to a single neural network)</a:t>
+            </a:r>
+          </a:p>
+          <a:p>
+            <a:pPr lvl="1"/>
+            <a:r>
+              <a:rPr lang="en-US" dirty="0"/>
+              <a:t>No need for multiple passes over the same image, maximizing efficiency</a:t>
+            </a:r>
+          </a:p>
+          <a:p>
+            <a:r>
+              <a:rPr lang="en-US" dirty="0"/>
+              <a:t>Flexibility to detect multiple objects of different classes in a single image</a:t>
+            </a:r>
+          </a:p>
+        </p:txBody>
+      </p:sp>
+    </p:spTree>
+    <p:extLst>
+      <p:ext uri="{BB962C8B-B14F-4D97-AF65-F5344CB8AC3E}">
+        <p14:creationId xmlns:p14="http://schemas.microsoft.com/office/powerpoint/2010/main" val="2021560706"/>
+      </p:ext>
+    </p:extLst>
+  </p:cSld>
+  <p:clrMapOvr>
+    <a:masterClrMapping/>
+  </p:clrMapOvr>
+</p:sld>
+</file>
+
+<file path=ppt/slides/slide7.xml><?xml version="1.0" encoding="utf-8"?>
+<p:sld xmlns:a="http://schemas.openxmlformats.org/drawingml/2006/main" xmlns:r="http://schemas.openxmlformats.org/officeDocument/2006/relationships" xmlns:p="http://schemas.openxmlformats.org/presentationml/2006/main">
+  <p:cSld>
+    <p:spTree>
+      <p:nvGrpSpPr>
+        <p:cNvPr id="1" name=""/>
+        <p:cNvGrpSpPr/>
+        <p:nvPr/>
+      </p:nvGrpSpPr>
+      <p:grpSpPr>
+        <a:xfrm>
+          <a:off x="0" y="0"/>
+          <a:ext cx="0" cy="0"/>
+          <a:chOff x="0" y="0"/>
+          <a:chExt cx="0" cy="0"/>
+        </a:xfrm>
+      </p:grpSpPr>
+      <p:sp>
+        <p:nvSpPr>
+          <p:cNvPr id="2" name="Title 1">
+            <a:extLst>
+              <a:ext uri="{FF2B5EF4-FFF2-40B4-BE49-F238E27FC236}">
+                <a16:creationId xmlns:a16="http://schemas.microsoft.com/office/drawing/2014/main" id="{A7F6C214-6F9B-B0AB-266E-C2E9B9A39C84}"/>
+              </a:ext>
+            </a:extLst>
+          </p:cNvPr>
+          <p:cNvSpPr>
+            <a:spLocks noGrp="1"/>
+          </p:cNvSpPr>
+          <p:nvPr>
+            <p:ph type="title"/>
+          </p:nvPr>
+        </p:nvSpPr>
+        <p:spPr/>
+        <p:txBody>
+          <a:bodyPr/>
+          <a:lstStyle/>
+          <a:p>
+            <a:r>
+              <a:rPr lang="en-US" dirty="0"/>
+              <a:t>Model Limitations</a:t>
+            </a:r>
+          </a:p>
+        </p:txBody>
+      </p:sp>
+      <p:sp>
+        <p:nvSpPr>
+          <p:cNvPr id="3" name="Content Placeholder 2">
+            <a:extLst>
+              <a:ext uri="{FF2B5EF4-FFF2-40B4-BE49-F238E27FC236}">
+                <a16:creationId xmlns:a16="http://schemas.microsoft.com/office/drawing/2014/main" id="{F3D839A4-FF8F-2835-D8B2-58A4F24E2CBA}"/>
+              </a:ext>
+            </a:extLst>
+          </p:cNvPr>
+          <p:cNvSpPr>
+            <a:spLocks noGrp="1"/>
+          </p:cNvSpPr>
+          <p:nvPr>
+            <p:ph idx="1"/>
+          </p:nvPr>
+        </p:nvSpPr>
+        <p:spPr/>
+        <p:txBody>
+          <a:bodyPr/>
+          <a:lstStyle/>
+          <a:p>
+            <a:r>
+              <a:rPr lang="en-US" dirty="0"/>
+              <a:t>Localization errors (particularly with small animals, and animals in close proximity)</a:t>
+            </a:r>
+          </a:p>
+          <a:p>
+            <a:pPr lvl="1"/>
+            <a:r>
+              <a:rPr lang="en-US" dirty="0"/>
+              <a:t>Solved with higher epoch #, at cost of computational time</a:t>
+            </a:r>
+          </a:p>
+          <a:p>
+            <a:pPr lvl="1"/>
+            <a:r>
+              <a:rPr lang="en-US" dirty="0"/>
+              <a:t>Significant increase in epochs, breaks model (even with HPC allocation)</a:t>
+            </a:r>
+          </a:p>
+          <a:p>
+            <a:r>
+              <a:rPr lang="en-US" dirty="0"/>
+              <a:t>Requirements</a:t>
+            </a:r>
+          </a:p>
+          <a:p>
+            <a:pPr lvl="1"/>
+            <a:r>
+              <a:rPr lang="en-US" dirty="0"/>
+              <a:t>Large dataset</a:t>
+            </a:r>
+          </a:p>
+          <a:p>
+            <a:pPr lvl="1"/>
+            <a:r>
+              <a:rPr lang="en-US" dirty="0"/>
+              <a:t>Training and validation sets</a:t>
+            </a:r>
+          </a:p>
+          <a:p>
+            <a:endParaRPr lang="en-US" dirty="0"/>
+          </a:p>
+        </p:txBody>
+      </p:sp>
+    </p:spTree>
+    <p:extLst>
+      <p:ext uri="{BB962C8B-B14F-4D97-AF65-F5344CB8AC3E}">
+        <p14:creationId xmlns:p14="http://schemas.microsoft.com/office/powerpoint/2010/main" val="1507577892"/>
+      </p:ext>
+    </p:extLst>
+  </p:cSld>
+  <p:clrMapOvr>
+    <a:masterClrMapping/>
+  </p:clrMapOvr>
+</p:sld>
+</file>
+
+<file path=ppt/slides/slide8.xml><?xml version="1.0" encoding="utf-8"?>
+<p:sld xmlns:a="http://schemas.openxmlformats.org/drawingml/2006/main" xmlns:r="http://schemas.openxmlformats.org/officeDocument/2006/relationships" xmlns:p="http://schemas.openxmlformats.org/presentationml/2006/main">
+  <p:cSld>
+    <p:spTree>
+      <p:nvGrpSpPr>
+        <p:cNvPr id="1" name=""/>
+        <p:cNvGrpSpPr/>
+        <p:nvPr/>
+      </p:nvGrpSpPr>
+      <p:grpSpPr>
+        <a:xfrm>
+          <a:off x="0" y="0"/>
+          <a:ext cx="0" cy="0"/>
+          <a:chOff x="0" y="0"/>
+          <a:chExt cx="0" cy="0"/>
+        </a:xfrm>
+      </p:grpSpPr>
+      <p:sp>
+        <p:nvSpPr>
+          <p:cNvPr id="2" name="Title 1">
+            <a:extLst>
+              <a:ext uri="{FF2B5EF4-FFF2-40B4-BE49-F238E27FC236}">
+                <a16:creationId xmlns:a16="http://schemas.microsoft.com/office/drawing/2014/main" id="{F5CF22FD-320C-9F4B-E2F4-126F464D90BD}"/>
+              </a:ext>
+            </a:extLst>
+          </p:cNvPr>
+          <p:cNvSpPr>
+            <a:spLocks noGrp="1"/>
+          </p:cNvSpPr>
+          <p:nvPr>
+            <p:ph type="title"/>
+          </p:nvPr>
+        </p:nvSpPr>
+        <p:spPr/>
+        <p:txBody>
+          <a:bodyPr/>
+          <a:lstStyle/>
+          <a:p>
+            <a:r>
+              <a:rPr lang="en-US" dirty="0"/>
+              <a:t>Issues Overcome</a:t>
+            </a:r>
+          </a:p>
+        </p:txBody>
+      </p:sp>
+      <p:sp>
+        <p:nvSpPr>
+          <p:cNvPr id="3" name="Content Placeholder 2">
+            <a:extLst>
+              <a:ext uri="{FF2B5EF4-FFF2-40B4-BE49-F238E27FC236}">
+                <a16:creationId xmlns:a16="http://schemas.microsoft.com/office/drawing/2014/main" id="{AB7BC686-A964-FDA8-B9FD-864643B4F83A}"/>
+              </a:ext>
+            </a:extLst>
+          </p:cNvPr>
+          <p:cNvSpPr>
+            <a:spLocks noGrp="1"/>
+          </p:cNvSpPr>
+          <p:nvPr>
+            <p:ph idx="1"/>
+          </p:nvPr>
+        </p:nvSpPr>
+        <p:spPr/>
+        <p:txBody>
+          <a:bodyPr/>
+          <a:lstStyle/>
+          <a:p>
+            <a:r>
+              <a:rPr lang="en-US" dirty="0"/>
+              <a:t>Image Annotation</a:t>
+            </a:r>
+          </a:p>
+          <a:p>
+            <a:pPr lvl="1"/>
+            <a:r>
+              <a:rPr lang="en-US" dirty="0"/>
+              <a:t>Using data annotation tool proved time consuming</a:t>
+            </a:r>
+          </a:p>
+          <a:p>
+            <a:pPr lvl="1"/>
+            <a:r>
+              <a:rPr lang="en-US" dirty="0"/>
+              <a:t>Downloaded pre-labeled images from </a:t>
+            </a:r>
+            <a:r>
+              <a:rPr lang="en-US" dirty="0" err="1"/>
+              <a:t>RoboFlow</a:t>
+            </a:r>
+            <a:r>
+              <a:rPr lang="en-US" dirty="0"/>
+              <a:t> for custom training dataset</a:t>
+            </a:r>
+          </a:p>
+          <a:p>
+            <a:pPr lvl="1"/>
+            <a:r>
+              <a:rPr lang="en-US" dirty="0"/>
+              <a:t>Only had to change class indices</a:t>
+            </a:r>
+          </a:p>
+          <a:p>
+            <a:r>
+              <a:rPr lang="en-US" dirty="0"/>
+              <a:t>Code Errors</a:t>
+            </a:r>
+          </a:p>
+          <a:p>
+            <a:pPr lvl="1"/>
+            <a:r>
+              <a:rPr lang="en-US" dirty="0"/>
+              <a:t>Encoding locale errors</a:t>
+            </a:r>
+          </a:p>
+          <a:p>
+            <a:pPr lvl="1"/>
+            <a:r>
+              <a:rPr lang="en-US" dirty="0"/>
+              <a:t>Added additional code cells</a:t>
+            </a:r>
+          </a:p>
+        </p:txBody>
+      </p:sp>
+    </p:spTree>
+    <p:extLst>
+      <p:ext uri="{BB962C8B-B14F-4D97-AF65-F5344CB8AC3E}">
+        <p14:creationId xmlns:p14="http://schemas.microsoft.com/office/powerpoint/2010/main" val="2639516425"/>
+      </p:ext>
+    </p:extLst>
+  </p:cSld>
+  <p:clrMapOvr>
+    <a:masterClrMapping/>
+  </p:clrMapOvr>
+</p:sld>
+</file>
+
+<file path=ppt/slides/slide9.xml><?xml version="1.0" encoding="utf-8"?>
+<p:sld xmlns:a="http://schemas.openxmlformats.org/drawingml/2006/main" xmlns:r="http://schemas.openxmlformats.org/officeDocument/2006/relationships" xmlns:p="http://schemas.openxmlformats.org/presentationml/2006/main">
+  <p:cSld>
+    <p:spTree>
+      <p:nvGrpSpPr>
+        <p:cNvPr id="1" name=""/>
+        <p:cNvGrpSpPr/>
+        <p:nvPr/>
+      </p:nvGrpSpPr>
+      <p:grpSpPr>
+        <a:xfrm>
+          <a:off x="0" y="0"/>
+          <a:ext cx="0" cy="0"/>
+          <a:chOff x="0" y="0"/>
+          <a:chExt cx="0" cy="0"/>
+        </a:xfrm>
+      </p:grpSpPr>
+      <p:sp>
+        <p:nvSpPr>
+          <p:cNvPr id="2" name="Title 1">
+            <a:extLst>
+              <a:ext uri="{FF2B5EF4-FFF2-40B4-BE49-F238E27FC236}">
+                <a16:creationId xmlns:a16="http://schemas.microsoft.com/office/drawing/2014/main" id="{C56F87B9-A0EE-E82B-E458-1F72A0C31763}"/>
+              </a:ext>
+            </a:extLst>
+          </p:cNvPr>
+          <p:cNvSpPr>
+            <a:spLocks noGrp="1"/>
+          </p:cNvSpPr>
+          <p:nvPr>
+            <p:ph type="title"/>
+          </p:nvPr>
+        </p:nvSpPr>
+        <p:spPr/>
+        <p:txBody>
+          <a:bodyPr/>
+          <a:lstStyle/>
+          <a:p>
+            <a:r>
+              <a:rPr lang="en-US" dirty="0"/>
+              <a:t>Demo</a:t>
+            </a:r>
+          </a:p>
+        </p:txBody>
+      </p:sp>
+    </p:spTree>
+    <p:extLst>
+      <p:ext uri="{BB962C8B-B14F-4D97-AF65-F5344CB8AC3E}">
+        <p14:creationId xmlns:p14="http://schemas.microsoft.com/office/powerpoint/2010/main" val="3992208557"/>
       </p:ext>
     </p:extLst>
   </p:cSld>

--- a/Dangerous Animal Detection Final.pptx
+++ b/Dangerous Animal Detection Final.pptx
@@ -5,18 +5,19 @@
     <p:sldMasterId id="2147483660" r:id="rId1"/>
   </p:sldMasterIdLst>
   <p:notesMasterIdLst>
-    <p:notesMasterId r:id="rId11"/>
+    <p:notesMasterId r:id="rId12"/>
   </p:notesMasterIdLst>
   <p:sldIdLst>
     <p:sldId id="256" r:id="rId2"/>
     <p:sldId id="257" r:id="rId3"/>
     <p:sldId id="263" r:id="rId4"/>
     <p:sldId id="264" r:id="rId5"/>
-    <p:sldId id="266" r:id="rId6"/>
-    <p:sldId id="267" r:id="rId7"/>
-    <p:sldId id="268" r:id="rId8"/>
-    <p:sldId id="269" r:id="rId9"/>
-    <p:sldId id="270" r:id="rId10"/>
+    <p:sldId id="271" r:id="rId6"/>
+    <p:sldId id="266" r:id="rId7"/>
+    <p:sldId id="267" r:id="rId8"/>
+    <p:sldId id="268" r:id="rId9"/>
+    <p:sldId id="269" r:id="rId10"/>
+    <p:sldId id="270" r:id="rId11"/>
   </p:sldIdLst>
   <p:sldSz cx="12192000" cy="6858000"/>
   <p:notesSz cx="6858000" cy="9144000"/>
@@ -212,7 +213,7 @@
           </a:lstStyle>
           <a:p>
             <a:fld id="{0CEEB17A-9B20-49D6-9BFE-CBB8326A8E2E}" type="datetimeFigureOut">
-              <a:t>8/5/2024</a:t>
+              <a:t>8/6/2024</a:t>
             </a:fld>
             <a:endParaRPr lang="en-US"/>
           </a:p>
@@ -669,7 +670,7 @@
           <a:p>
             <a:fld id="{E3F0B43B-4583-49FC-8FF9-79DD1A8B0884}" type="datetimeFigureOut">
               <a:rPr lang="en-US" smtClean="0"/>
-              <a:t>8/5/2024</a:t>
+              <a:t>8/6/2024</a:t>
             </a:fld>
             <a:endParaRPr lang="en-US"/>
           </a:p>
@@ -1105,7 +1106,7 @@
           <a:p>
             <a:fld id="{E3F0B43B-4583-49FC-8FF9-79DD1A8B0884}" type="datetimeFigureOut">
               <a:rPr lang="en-US" smtClean="0"/>
-              <a:t>8/5/2024</a:t>
+              <a:t>8/6/2024</a:t>
             </a:fld>
             <a:endParaRPr lang="en-US"/>
           </a:p>
@@ -1355,7 +1356,7 @@
           <a:p>
             <a:fld id="{E3F0B43B-4583-49FC-8FF9-79DD1A8B0884}" type="datetimeFigureOut">
               <a:rPr lang="en-US" smtClean="0"/>
-              <a:t>8/5/2024</a:t>
+              <a:t>8/6/2024</a:t>
             </a:fld>
             <a:endParaRPr lang="en-US"/>
           </a:p>
@@ -1663,7 +1664,7 @@
           <a:p>
             <a:fld id="{E3F0B43B-4583-49FC-8FF9-79DD1A8B0884}" type="datetimeFigureOut">
               <a:rPr lang="en-US" smtClean="0"/>
-              <a:t>8/5/2024</a:t>
+              <a:t>8/6/2024</a:t>
             </a:fld>
             <a:endParaRPr lang="en-US"/>
           </a:p>
@@ -1981,7 +1982,7 @@
           <a:p>
             <a:fld id="{E3F0B43B-4583-49FC-8FF9-79DD1A8B0884}" type="datetimeFigureOut">
               <a:rPr lang="en-US" smtClean="0"/>
-              <a:t>8/5/2024</a:t>
+              <a:t>8/6/2024</a:t>
             </a:fld>
             <a:endParaRPr lang="en-US"/>
           </a:p>
@@ -2283,7 +2284,7 @@
           <a:p>
             <a:fld id="{E3F0B43B-4583-49FC-8FF9-79DD1A8B0884}" type="datetimeFigureOut">
               <a:rPr lang="en-US" smtClean="0"/>
-              <a:t>8/5/2024</a:t>
+              <a:t>8/6/2024</a:t>
             </a:fld>
             <a:endParaRPr lang="en-US"/>
           </a:p>
@@ -2650,7 +2651,7 @@
           <a:p>
             <a:fld id="{E3F0B43B-4583-49FC-8FF9-79DD1A8B0884}" type="datetimeFigureOut">
               <a:rPr lang="en-US" smtClean="0"/>
-              <a:t>8/5/2024</a:t>
+              <a:t>8/6/2024</a:t>
             </a:fld>
             <a:endParaRPr lang="en-US"/>
           </a:p>
@@ -2824,7 +2825,7 @@
           <a:p>
             <a:fld id="{E3F0B43B-4583-49FC-8FF9-79DD1A8B0884}" type="datetimeFigureOut">
               <a:rPr lang="en-US" smtClean="0"/>
-              <a:t>8/5/2024</a:t>
+              <a:t>8/6/2024</a:t>
             </a:fld>
             <a:endParaRPr lang="en-US"/>
           </a:p>
@@ -3004,7 +3005,7 @@
           <a:p>
             <a:fld id="{E3F0B43B-4583-49FC-8FF9-79DD1A8B0884}" type="datetimeFigureOut">
               <a:rPr lang="en-US" smtClean="0"/>
-              <a:t>8/5/2024</a:t>
+              <a:t>8/6/2024</a:t>
             </a:fld>
             <a:endParaRPr lang="en-US"/>
           </a:p>
@@ -3174,7 +3175,7 @@
           <a:p>
             <a:fld id="{E3F0B43B-4583-49FC-8FF9-79DD1A8B0884}" type="datetimeFigureOut">
               <a:rPr lang="en-US" smtClean="0"/>
-              <a:t>8/5/2024</a:t>
+              <a:t>8/6/2024</a:t>
             </a:fld>
             <a:endParaRPr lang="en-US"/>
           </a:p>
@@ -3424,7 +3425,7 @@
           <a:p>
             <a:fld id="{E3F0B43B-4583-49FC-8FF9-79DD1A8B0884}" type="datetimeFigureOut">
               <a:rPr lang="en-US" smtClean="0"/>
-              <a:t>8/5/2024</a:t>
+              <a:t>8/6/2024</a:t>
             </a:fld>
             <a:endParaRPr lang="en-US"/>
           </a:p>
@@ -3660,7 +3661,7 @@
           <a:p>
             <a:fld id="{E3F0B43B-4583-49FC-8FF9-79DD1A8B0884}" type="datetimeFigureOut">
               <a:rPr lang="en-US" smtClean="0"/>
-              <a:t>8/5/2024</a:t>
+              <a:t>8/6/2024</a:t>
             </a:fld>
             <a:endParaRPr lang="en-US"/>
           </a:p>
@@ -4042,7 +4043,7 @@
           <a:p>
             <a:fld id="{E3F0B43B-4583-49FC-8FF9-79DD1A8B0884}" type="datetimeFigureOut">
               <a:rPr lang="en-US" smtClean="0"/>
-              <a:t>8/5/2024</a:t>
+              <a:t>8/6/2024</a:t>
             </a:fld>
             <a:endParaRPr lang="en-US"/>
           </a:p>
@@ -4160,7 +4161,7 @@
           <a:p>
             <a:fld id="{E3F0B43B-4583-49FC-8FF9-79DD1A8B0884}" type="datetimeFigureOut">
               <a:rPr lang="en-US" smtClean="0"/>
-              <a:t>8/5/2024</a:t>
+              <a:t>8/6/2024</a:t>
             </a:fld>
             <a:endParaRPr lang="en-US"/>
           </a:p>
@@ -4255,7 +4256,7 @@
           <a:p>
             <a:fld id="{E3F0B43B-4583-49FC-8FF9-79DD1A8B0884}" type="datetimeFigureOut">
               <a:rPr lang="en-US" smtClean="0"/>
-              <a:t>8/5/2024</a:t>
+              <a:t>8/6/2024</a:t>
             </a:fld>
             <a:endParaRPr lang="en-US"/>
           </a:p>
@@ -4510,7 +4511,7 @@
           <a:p>
             <a:fld id="{E3F0B43B-4583-49FC-8FF9-79DD1A8B0884}" type="datetimeFigureOut">
               <a:rPr lang="en-US" smtClean="0"/>
-              <a:t>8/5/2024</a:t>
+              <a:t>8/6/2024</a:t>
             </a:fld>
             <a:endParaRPr lang="en-US"/>
           </a:p>
@@ -4793,7 +4794,7 @@
           <a:p>
             <a:fld id="{E3F0B43B-4583-49FC-8FF9-79DD1A8B0884}" type="datetimeFigureOut">
               <a:rPr lang="en-US" smtClean="0"/>
-              <a:t>8/5/2024</a:t>
+              <a:t>8/6/2024</a:t>
             </a:fld>
             <a:endParaRPr lang="en-US"/>
           </a:p>
@@ -5199,7 +5200,7 @@
           <a:p>
             <a:fld id="{E3F0B43B-4583-49FC-8FF9-79DD1A8B0884}" type="datetimeFigureOut">
               <a:rPr lang="en-US" smtClean="0"/>
-              <a:t>8/5/2024</a:t>
+              <a:t>8/6/2024</a:t>
             </a:fld>
             <a:endParaRPr lang="en-US"/>
           </a:p>
@@ -5785,7 +5786,7 @@
           <a:p>
             <a:r>
               <a:rPr lang="en-US" dirty="0"/>
-              <a:t>Proposal by Cole Bromfield and Dennis Reyes</a:t>
+              <a:t>Project by Cole Bromfield and Dennis Reyes</a:t>
             </a:r>
           </a:p>
         </p:txBody>
@@ -5794,6 +5795,64 @@
     <p:extLst>
       <p:ext uri="{BB962C8B-B14F-4D97-AF65-F5344CB8AC3E}">
         <p14:creationId xmlns:p14="http://schemas.microsoft.com/office/powerpoint/2010/main" val="3494659264"/>
+      </p:ext>
+    </p:extLst>
+  </p:cSld>
+  <p:clrMapOvr>
+    <a:masterClrMapping/>
+  </p:clrMapOvr>
+</p:sld>
+</file>
+
+<file path=ppt/slides/slide10.xml><?xml version="1.0" encoding="utf-8"?>
+<p:sld xmlns:a="http://schemas.openxmlformats.org/drawingml/2006/main" xmlns:r="http://schemas.openxmlformats.org/officeDocument/2006/relationships" xmlns:p="http://schemas.openxmlformats.org/presentationml/2006/main">
+  <p:cSld>
+    <p:spTree>
+      <p:nvGrpSpPr>
+        <p:cNvPr id="1" name=""/>
+        <p:cNvGrpSpPr/>
+        <p:nvPr/>
+      </p:nvGrpSpPr>
+      <p:grpSpPr>
+        <a:xfrm>
+          <a:off x="0" y="0"/>
+          <a:ext cx="0" cy="0"/>
+          <a:chOff x="0" y="0"/>
+          <a:chExt cx="0" cy="0"/>
+        </a:xfrm>
+      </p:grpSpPr>
+      <p:sp>
+        <p:nvSpPr>
+          <p:cNvPr id="2" name="Title 1">
+            <a:extLst>
+              <a:ext uri="{FF2B5EF4-FFF2-40B4-BE49-F238E27FC236}">
+                <a16:creationId xmlns:a16="http://schemas.microsoft.com/office/drawing/2014/main" id="{C56F87B9-A0EE-E82B-E458-1F72A0C31763}"/>
+              </a:ext>
+            </a:extLst>
+          </p:cNvPr>
+          <p:cNvSpPr>
+            <a:spLocks noGrp="1"/>
+          </p:cNvSpPr>
+          <p:nvPr>
+            <p:ph type="title"/>
+          </p:nvPr>
+        </p:nvSpPr>
+        <p:spPr/>
+        <p:txBody>
+          <a:bodyPr/>
+          <a:lstStyle/>
+          <a:p>
+            <a:r>
+              <a:rPr lang="en-US" dirty="0"/>
+              <a:t>Demo</a:t>
+            </a:r>
+          </a:p>
+        </p:txBody>
+      </p:sp>
+    </p:spTree>
+    <p:extLst>
+      <p:ext uri="{BB962C8B-B14F-4D97-AF65-F5344CB8AC3E}">
+        <p14:creationId xmlns:p14="http://schemas.microsoft.com/office/powerpoint/2010/main" val="3992208557"/>
       </p:ext>
     </p:extLst>
   </p:cSld>
@@ -6143,7 +6202,7 @@
           <p:cNvPr id="2" name="Title 1">
             <a:extLst>
               <a:ext uri="{FF2B5EF4-FFF2-40B4-BE49-F238E27FC236}">
-                <a16:creationId xmlns:a16="http://schemas.microsoft.com/office/drawing/2014/main" id="{FB005096-FD82-6449-5BB7-515DEEF3171B}"/>
+                <a16:creationId xmlns:a16="http://schemas.microsoft.com/office/drawing/2014/main" id="{7C4361E2-0E51-2400-E4C2-E65FE9196528}"/>
               </a:ext>
             </a:extLst>
           </p:cNvPr>
@@ -6161,68 +6220,7 @@
           <a:p>
             <a:r>
               <a:rPr lang="en-US" dirty="0"/>
-              <a:t>Training</a:t>
-            </a:r>
-          </a:p>
-        </p:txBody>
-      </p:sp>
-      <p:sp>
-        <p:nvSpPr>
-          <p:cNvPr id="3" name="Content Placeholder 2">
-            <a:extLst>
-              <a:ext uri="{FF2B5EF4-FFF2-40B4-BE49-F238E27FC236}">
-                <a16:creationId xmlns:a16="http://schemas.microsoft.com/office/drawing/2014/main" id="{44E99C87-EF9E-7046-2460-DFDCE5478B8B}"/>
-              </a:ext>
-            </a:extLst>
-          </p:cNvPr>
-          <p:cNvSpPr>
-            <a:spLocks noGrp="1"/>
-          </p:cNvSpPr>
-          <p:nvPr>
-            <p:ph idx="1"/>
-          </p:nvPr>
-        </p:nvSpPr>
-        <p:spPr/>
-        <p:txBody>
-          <a:bodyPr>
-            <a:normAutofit fontScale="92500" lnSpcReduction="20000"/>
-          </a:bodyPr>
-          <a:lstStyle/>
-          <a:p>
-            <a:r>
-              <a:rPr lang="en-US" dirty="0"/>
-              <a:t>Start with annotated image set—bounding boxes, class labels</a:t>
-            </a:r>
-          </a:p>
-          <a:p>
-            <a:r>
-              <a:rPr lang="en-US" dirty="0"/>
-              <a:t>Initialized with random weights, trained with a combination of convolutional and fully connected layers</a:t>
-            </a:r>
-          </a:p>
-          <a:p>
-            <a:r>
-              <a:rPr lang="en-US" dirty="0"/>
-              <a:t>Divide input image into grid of cells, each responsible for predicting a fixed number of bounding boxes and their confidence scores</a:t>
-            </a:r>
-          </a:p>
-          <a:p>
-            <a:r>
-              <a:rPr lang="en-US" dirty="0"/>
-              <a:t>Confidence score: probability that a bounding box contains an object (and the accuracy of the box itself)</a:t>
-            </a:r>
-          </a:p>
-          <a:p>
-            <a:r>
-              <a:rPr lang="en-US" dirty="0"/>
-              <a:t>Loss function: trained with backpropagation and gradient descent</a:t>
-            </a:r>
-          </a:p>
-          <a:p>
-            <a:pPr lvl="1"/>
-            <a:r>
-              <a:rPr lang="en-US" dirty="0"/>
-              <a:t>Combination of localization loss to measure the accuracy of the predicted bounding boxes, confidence loss to measure the accuracy of the confidence scores, and classification loss to measure the accuracy of the predicted class probabilities</a:t>
+              <a:t>Dataset Exhibit</a:t>
             </a:r>
           </a:p>
         </p:txBody>
@@ -6230,7 +6228,7 @@
     </p:spTree>
     <p:extLst>
       <p:ext uri="{BB962C8B-B14F-4D97-AF65-F5344CB8AC3E}">
-        <p14:creationId xmlns:p14="http://schemas.microsoft.com/office/powerpoint/2010/main" val="3824167174"/>
+        <p14:creationId xmlns:p14="http://schemas.microsoft.com/office/powerpoint/2010/main" val="3198444346"/>
       </p:ext>
     </p:extLst>
   </p:cSld>
@@ -6262,7 +6260,7 @@
           <p:cNvPr id="2" name="Title 1">
             <a:extLst>
               <a:ext uri="{FF2B5EF4-FFF2-40B4-BE49-F238E27FC236}">
-                <a16:creationId xmlns:a16="http://schemas.microsoft.com/office/drawing/2014/main" id="{3F2EF591-4C5F-C8FC-A2EE-7224651DDC2F}"/>
+                <a16:creationId xmlns:a16="http://schemas.microsoft.com/office/drawing/2014/main" id="{FB005096-FD82-6449-5BB7-515DEEF3171B}"/>
               </a:ext>
             </a:extLst>
           </p:cNvPr>
@@ -6280,7 +6278,7 @@
           <a:p>
             <a:r>
               <a:rPr lang="en-US" dirty="0"/>
-              <a:t>Model Advantages</a:t>
+              <a:t>Training</a:t>
             </a:r>
           </a:p>
         </p:txBody>
@@ -6290,7 +6288,7 @@
           <p:cNvPr id="3" name="Content Placeholder 2">
             <a:extLst>
               <a:ext uri="{FF2B5EF4-FFF2-40B4-BE49-F238E27FC236}">
-                <a16:creationId xmlns:a16="http://schemas.microsoft.com/office/drawing/2014/main" id="{B90E1380-C33B-8B0F-457A-C221DABCA194}"/>
+                <a16:creationId xmlns:a16="http://schemas.microsoft.com/office/drawing/2014/main" id="{44E99C87-EF9E-7046-2460-DFDCE5478B8B}"/>
               </a:ext>
             </a:extLst>
           </p:cNvPr>
@@ -6303,25 +6301,45 @@
         </p:nvSpPr>
         <p:spPr/>
         <p:txBody>
-          <a:bodyPr/>
+          <a:bodyPr>
+            <a:normAutofit fontScale="92500" lnSpcReduction="20000"/>
+          </a:bodyPr>
           <a:lstStyle/>
           <a:p>
             <a:r>
               <a:rPr lang="en-US" dirty="0"/>
-              <a:t>Speed (due to a single neural network)</a:t>
+              <a:t>Start with annotated image set—bounding boxes, class indices</a:t>
+            </a:r>
+          </a:p>
+          <a:p>
+            <a:r>
+              <a:rPr lang="en-US" dirty="0"/>
+              <a:t>Initialized with random weights, trained with a combination of convolutional and fully connected layers</a:t>
+            </a:r>
+          </a:p>
+          <a:p>
+            <a:r>
+              <a:rPr lang="en-US" dirty="0"/>
+              <a:t>Divide input image into grid of cells, each responsible for predicting a fixed number of bounding boxes and their confidence scores</a:t>
+            </a:r>
+          </a:p>
+          <a:p>
+            <a:r>
+              <a:rPr lang="en-US" dirty="0"/>
+              <a:t>Confidence score: probability that a bounding box contains an object (and the accuracy of the box itself)</a:t>
+            </a:r>
+          </a:p>
+          <a:p>
+            <a:r>
+              <a:rPr lang="en-US" dirty="0"/>
+              <a:t>Loss function: trained with backpropagation and gradient descent</a:t>
             </a:r>
           </a:p>
           <a:p>
             <a:pPr lvl="1"/>
             <a:r>
               <a:rPr lang="en-US" dirty="0"/>
-              <a:t>No need for multiple passes over the same image, maximizing efficiency</a:t>
-            </a:r>
-          </a:p>
-          <a:p>
-            <a:r>
-              <a:rPr lang="en-US" dirty="0"/>
-              <a:t>Flexibility to detect multiple objects of different classes in a single image</a:t>
+              <a:t>Combination of localization loss to measure the accuracy of the predicted bounding boxes, confidence loss to measure the accuracy of the confidence scores, and classification loss to measure the accuracy of the predicted class probabilities</a:t>
             </a:r>
           </a:p>
         </p:txBody>
@@ -6329,7 +6347,7 @@
     </p:spTree>
     <p:extLst>
       <p:ext uri="{BB962C8B-B14F-4D97-AF65-F5344CB8AC3E}">
-        <p14:creationId xmlns:p14="http://schemas.microsoft.com/office/powerpoint/2010/main" val="2021560706"/>
+        <p14:creationId xmlns:p14="http://schemas.microsoft.com/office/powerpoint/2010/main" val="3824167174"/>
       </p:ext>
     </p:extLst>
   </p:cSld>
@@ -6361,7 +6379,7 @@
           <p:cNvPr id="2" name="Title 1">
             <a:extLst>
               <a:ext uri="{FF2B5EF4-FFF2-40B4-BE49-F238E27FC236}">
-                <a16:creationId xmlns:a16="http://schemas.microsoft.com/office/drawing/2014/main" id="{A7F6C214-6F9B-B0AB-266E-C2E9B9A39C84}"/>
+                <a16:creationId xmlns:a16="http://schemas.microsoft.com/office/drawing/2014/main" id="{3F2EF591-4C5F-C8FC-A2EE-7224651DDC2F}"/>
               </a:ext>
             </a:extLst>
           </p:cNvPr>
@@ -6379,7 +6397,7 @@
           <a:p>
             <a:r>
               <a:rPr lang="en-US" dirty="0"/>
-              <a:t>Model Limitations</a:t>
+              <a:t>Model Advantages</a:t>
             </a:r>
           </a:p>
         </p:txBody>
@@ -6389,7 +6407,7 @@
           <p:cNvPr id="3" name="Content Placeholder 2">
             <a:extLst>
               <a:ext uri="{FF2B5EF4-FFF2-40B4-BE49-F238E27FC236}">
-                <a16:creationId xmlns:a16="http://schemas.microsoft.com/office/drawing/2014/main" id="{F3D839A4-FF8F-2835-D8B2-58A4F24E2CBA}"/>
+                <a16:creationId xmlns:a16="http://schemas.microsoft.com/office/drawing/2014/main" id="{B90E1380-C33B-8B0F-457A-C221DABCA194}"/>
               </a:ext>
             </a:extLst>
           </p:cNvPr>
@@ -6407,52 +6425,28 @@
           <a:p>
             <a:r>
               <a:rPr lang="en-US" dirty="0"/>
-              <a:t>Localization errors (particularly with small animals, and animals in close proximity)</a:t>
+              <a:t>Speed (due to a single neural network)</a:t>
             </a:r>
           </a:p>
           <a:p>
             <a:pPr lvl="1"/>
             <a:r>
               <a:rPr lang="en-US" dirty="0"/>
-              <a:t>Solved with higher epoch #, at cost of computational time</a:t>
-            </a:r>
-          </a:p>
-          <a:p>
-            <a:pPr lvl="1"/>
+              <a:t>No need for multiple passes over the same image, maximizing efficiency</a:t>
+            </a:r>
+          </a:p>
+          <a:p>
             <a:r>
               <a:rPr lang="en-US" dirty="0"/>
-              <a:t>Significant increase in epochs, breaks model (even with HPC allocation)</a:t>
-            </a:r>
-          </a:p>
-          <a:p>
-            <a:r>
-              <a:rPr lang="en-US" dirty="0"/>
-              <a:t>Requirements</a:t>
-            </a:r>
-          </a:p>
-          <a:p>
-            <a:pPr lvl="1"/>
-            <a:r>
-              <a:rPr lang="en-US" dirty="0"/>
-              <a:t>Large dataset</a:t>
-            </a:r>
-          </a:p>
-          <a:p>
-            <a:pPr lvl="1"/>
-            <a:r>
-              <a:rPr lang="en-US" dirty="0"/>
-              <a:t>Training and validation sets</a:t>
-            </a:r>
-          </a:p>
-          <a:p>
-            <a:endParaRPr lang="en-US" dirty="0"/>
+              <a:t>Flexibility to detect multiple objects of different classes in a single image</a:t>
+            </a:r>
           </a:p>
         </p:txBody>
       </p:sp>
     </p:spTree>
     <p:extLst>
       <p:ext uri="{BB962C8B-B14F-4D97-AF65-F5344CB8AC3E}">
-        <p14:creationId xmlns:p14="http://schemas.microsoft.com/office/powerpoint/2010/main" val="1507577892"/>
+        <p14:creationId xmlns:p14="http://schemas.microsoft.com/office/powerpoint/2010/main" val="2021560706"/>
       </p:ext>
     </p:extLst>
   </p:cSld>
@@ -6484,7 +6478,7 @@
           <p:cNvPr id="2" name="Title 1">
             <a:extLst>
               <a:ext uri="{FF2B5EF4-FFF2-40B4-BE49-F238E27FC236}">
-                <a16:creationId xmlns:a16="http://schemas.microsoft.com/office/drawing/2014/main" id="{F5CF22FD-320C-9F4B-E2F4-126F464D90BD}"/>
+                <a16:creationId xmlns:a16="http://schemas.microsoft.com/office/drawing/2014/main" id="{A7F6C214-6F9B-B0AB-266E-C2E9B9A39C84}"/>
               </a:ext>
             </a:extLst>
           </p:cNvPr>
@@ -6502,7 +6496,7 @@
           <a:p>
             <a:r>
               <a:rPr lang="en-US" dirty="0"/>
-              <a:t>Issues Overcome</a:t>
+              <a:t>Model Limitations</a:t>
             </a:r>
           </a:p>
         </p:txBody>
@@ -6512,7 +6506,7 @@
           <p:cNvPr id="3" name="Content Placeholder 2">
             <a:extLst>
               <a:ext uri="{FF2B5EF4-FFF2-40B4-BE49-F238E27FC236}">
-                <a16:creationId xmlns:a16="http://schemas.microsoft.com/office/drawing/2014/main" id="{AB7BC686-A964-FDA8-B9FD-864643B4F83A}"/>
+                <a16:creationId xmlns:a16="http://schemas.microsoft.com/office/drawing/2014/main" id="{F3D839A4-FF8F-2835-D8B2-58A4F24E2CBA}"/>
               </a:ext>
             </a:extLst>
           </p:cNvPr>
@@ -6530,64 +6524,52 @@
           <a:p>
             <a:r>
               <a:rPr lang="en-US" dirty="0"/>
-              <a:t>Image Annotation</a:t>
+              <a:t>Localization errors (particularly with small animals, and animals in close proximity)</a:t>
             </a:r>
           </a:p>
           <a:p>
             <a:pPr lvl="1"/>
             <a:r>
               <a:rPr lang="en-US" dirty="0"/>
-              <a:t>Using data annotation tool proved time consuming</a:t>
+              <a:t>Solved with higher epoch #, at cost of computational time</a:t>
             </a:r>
           </a:p>
           <a:p>
             <a:pPr lvl="1"/>
             <a:r>
               <a:rPr lang="en-US" dirty="0"/>
-              <a:t>Downloaded pre-labeled images from </a:t>
-            </a:r>
-            <a:r>
-              <a:rPr lang="en-US" dirty="0" err="1"/>
-              <a:t>RoboFlow</a:t>
-            </a:r>
+              <a:t>Significant increase in epochs, breaks model (even with HPC allocation)</a:t>
+            </a:r>
+          </a:p>
+          <a:p>
             <a:r>
               <a:rPr lang="en-US" dirty="0"/>
-              <a:t> for custom training dataset</a:t>
+              <a:t>Requirements</a:t>
             </a:r>
           </a:p>
           <a:p>
             <a:pPr lvl="1"/>
             <a:r>
               <a:rPr lang="en-US" dirty="0"/>
-              <a:t>Only had to change class indices</a:t>
-            </a:r>
-          </a:p>
-          <a:p>
+              <a:t>Large dataset</a:t>
+            </a:r>
+          </a:p>
+          <a:p>
+            <a:pPr lvl="1"/>
             <a:r>
               <a:rPr lang="en-US" dirty="0"/>
-              <a:t>Code Errors</a:t>
-            </a:r>
-          </a:p>
-          <a:p>
-            <a:pPr lvl="1"/>
-            <a:r>
-              <a:rPr lang="en-US" dirty="0"/>
-              <a:t>Encoding locale errors</a:t>
-            </a:r>
-          </a:p>
-          <a:p>
-            <a:pPr lvl="1"/>
-            <a:r>
-              <a:rPr lang="en-US" dirty="0"/>
-              <a:t>Added additional code cells</a:t>
-            </a:r>
+              <a:t>Training, validation, and testing sets</a:t>
+            </a:r>
+          </a:p>
+          <a:p>
+            <a:endParaRPr lang="en-US" dirty="0"/>
           </a:p>
         </p:txBody>
       </p:sp>
     </p:spTree>
     <p:extLst>
       <p:ext uri="{BB962C8B-B14F-4D97-AF65-F5344CB8AC3E}">
-        <p14:creationId xmlns:p14="http://schemas.microsoft.com/office/powerpoint/2010/main" val="2639516425"/>
+        <p14:creationId xmlns:p14="http://schemas.microsoft.com/office/powerpoint/2010/main" val="1507577892"/>
       </p:ext>
     </p:extLst>
   </p:cSld>
@@ -6619,7 +6601,7 @@
           <p:cNvPr id="2" name="Title 1">
             <a:extLst>
               <a:ext uri="{FF2B5EF4-FFF2-40B4-BE49-F238E27FC236}">
-                <a16:creationId xmlns:a16="http://schemas.microsoft.com/office/drawing/2014/main" id="{C56F87B9-A0EE-E82B-E458-1F72A0C31763}"/>
+                <a16:creationId xmlns:a16="http://schemas.microsoft.com/office/drawing/2014/main" id="{F5CF22FD-320C-9F4B-E2F4-126F464D90BD}"/>
               </a:ext>
             </a:extLst>
           </p:cNvPr>
@@ -6637,7 +6619,84 @@
           <a:p>
             <a:r>
               <a:rPr lang="en-US" dirty="0"/>
-              <a:t>Demo</a:t>
+              <a:t>Issues Overcome</a:t>
+            </a:r>
+          </a:p>
+        </p:txBody>
+      </p:sp>
+      <p:sp>
+        <p:nvSpPr>
+          <p:cNvPr id="3" name="Content Placeholder 2">
+            <a:extLst>
+              <a:ext uri="{FF2B5EF4-FFF2-40B4-BE49-F238E27FC236}">
+                <a16:creationId xmlns:a16="http://schemas.microsoft.com/office/drawing/2014/main" id="{AB7BC686-A964-FDA8-B9FD-864643B4F83A}"/>
+              </a:ext>
+            </a:extLst>
+          </p:cNvPr>
+          <p:cNvSpPr>
+            <a:spLocks noGrp="1"/>
+          </p:cNvSpPr>
+          <p:nvPr>
+            <p:ph idx="1"/>
+          </p:nvPr>
+        </p:nvSpPr>
+        <p:spPr/>
+        <p:txBody>
+          <a:bodyPr/>
+          <a:lstStyle/>
+          <a:p>
+            <a:r>
+              <a:rPr lang="en-US" dirty="0"/>
+              <a:t>Image Annotation</a:t>
+            </a:r>
+          </a:p>
+          <a:p>
+            <a:pPr lvl="1"/>
+            <a:r>
+              <a:rPr lang="en-US" dirty="0"/>
+              <a:t>Using data annotation tool proved time consuming</a:t>
+            </a:r>
+          </a:p>
+          <a:p>
+            <a:pPr lvl="1"/>
+            <a:r>
+              <a:rPr lang="en-US" dirty="0"/>
+              <a:t>Downloaded pre-labeled images from </a:t>
+            </a:r>
+            <a:r>
+              <a:rPr lang="en-US" dirty="0" err="1"/>
+              <a:t>RoboFlow</a:t>
+            </a:r>
+            <a:r>
+              <a:rPr lang="en-US" dirty="0"/>
+              <a:t> for custom training dataset</a:t>
+            </a:r>
+          </a:p>
+          <a:p>
+            <a:pPr lvl="1"/>
+            <a:r>
+              <a:rPr lang="en-US" dirty="0"/>
+              <a:t>Only had to change class indices</a:t>
+            </a:r>
+          </a:p>
+          <a:p>
+            <a:r>
+              <a:rPr lang="en-US" dirty="0"/>
+              <a:t>Code Errors</a:t>
+            </a:r>
+          </a:p>
+          <a:p>
+            <a:pPr lvl="1"/>
+            <a:r>
+              <a:rPr lang="en-US" dirty="0"/>
+              <a:t>Encoding locale errors</a:t>
+            </a:r>
+          </a:p>
+          <a:p>
+            <a:pPr lvl="1"/>
+            <a:r>
+              <a:rPr lang="en-US" dirty="0"/>
+              <a:t>Added additional code cells</a:t>
             </a:r>
           </a:p>
         </p:txBody>
@@ -6645,7 +6704,7 @@
     </p:spTree>
     <p:extLst>
       <p:ext uri="{BB962C8B-B14F-4D97-AF65-F5344CB8AC3E}">
-        <p14:creationId xmlns:p14="http://schemas.microsoft.com/office/powerpoint/2010/main" val="3992208557"/>
+        <p14:creationId xmlns:p14="http://schemas.microsoft.com/office/powerpoint/2010/main" val="2639516425"/>
       </p:ext>
     </p:extLst>
   </p:cSld>
